--- a/Documentacion/MyE_Demo.pptx
+++ b/Documentacion/MyE_Demo.pptx
@@ -1,6 +1,6 @@
 
 <file path=ppt/presentation.xml><?xml version="1.0" encoding="utf-8"?>
-<p:presentation xmlns:a="http://schemas.openxmlformats.org/drawingml/2006/main" xmlns:r="http://schemas.openxmlformats.org/officeDocument/2006/relationships" xmlns:p="http://schemas.openxmlformats.org/presentationml/2006/main" saveSubsetFonts="1">
+<p:presentation xmlns:a="http://schemas.openxmlformats.org/drawingml/2006/main" xmlns:r="http://schemas.openxmlformats.org/officeDocument/2006/relationships" xmlns:p="http://schemas.openxmlformats.org/presentationml/2006/main" saveSubsetFonts="1" bookmarkIdSeed="3">
   <p:sldMasterIdLst>
     <p:sldMasterId id="2147483744" r:id="rId1"/>
   </p:sldMasterIdLst>
@@ -8,17 +8,29 @@
     <p:sldId id="256" r:id="rId2"/>
     <p:sldId id="257" r:id="rId3"/>
     <p:sldId id="258" r:id="rId4"/>
-    <p:sldId id="259" r:id="rId5"/>
-    <p:sldId id="260" r:id="rId6"/>
-    <p:sldId id="261" r:id="rId7"/>
-    <p:sldId id="262" r:id="rId8"/>
-    <p:sldId id="263" r:id="rId9"/>
-    <p:sldId id="264" r:id="rId10"/>
-    <p:sldId id="265" r:id="rId11"/>
-    <p:sldId id="266" r:id="rId12"/>
-    <p:sldId id="267" r:id="rId13"/>
-    <p:sldId id="270" r:id="rId14"/>
-    <p:sldId id="271" r:id="rId15"/>
+    <p:sldId id="260" r:id="rId5"/>
+    <p:sldId id="261" r:id="rId6"/>
+    <p:sldId id="262" r:id="rId7"/>
+    <p:sldId id="263" r:id="rId8"/>
+    <p:sldId id="264" r:id="rId9"/>
+    <p:sldId id="265" r:id="rId10"/>
+    <p:sldId id="277" r:id="rId11"/>
+    <p:sldId id="276" r:id="rId12"/>
+    <p:sldId id="266" r:id="rId13"/>
+    <p:sldId id="267" r:id="rId14"/>
+    <p:sldId id="269" r:id="rId15"/>
+    <p:sldId id="271" r:id="rId16"/>
+    <p:sldId id="272" r:id="rId17"/>
+    <p:sldId id="270" r:id="rId18"/>
+    <p:sldId id="273" r:id="rId19"/>
+    <p:sldId id="274" r:id="rId20"/>
+    <p:sldId id="275" r:id="rId21"/>
+    <p:sldId id="278" r:id="rId22"/>
+    <p:sldId id="279" r:id="rId23"/>
+    <p:sldId id="280" r:id="rId24"/>
+    <p:sldId id="281" r:id="rId25"/>
+    <p:sldId id="282" r:id="rId26"/>
+    <p:sldId id="283" r:id="rId27"/>
   </p:sldIdLst>
   <p:sldSz cx="12192000" cy="6858000"/>
   <p:notesSz cx="6858000" cy="9144000"/>
@@ -301,7 +313,7 @@
           </a:lstStyle>
           <a:p>
             <a:r>
-              <a:rPr lang="es-ES"/>
+              <a:rPr lang="es-ES" smtClean="0"/>
               <a:t>Haga clic para modificar el estilo de título del patrón</a:t>
             </a:r>
             <a:endParaRPr lang="en-US" dirty="0"/>
@@ -421,7 +433,7 @@
           </a:lstStyle>
           <a:p>
             <a:r>
-              <a:rPr lang="es-ES"/>
+              <a:rPr lang="es-ES" smtClean="0"/>
               <a:t>Haga clic para modificar el estilo de subtítulo del patrón</a:t>
             </a:r>
             <a:endParaRPr lang="en-US" dirty="0"/>
@@ -460,7 +472,7 @@
           <a:p>
             <a:fld id="{93A9BFE2-EB65-41F3-8ECC-B0F8E497806B}" type="datetimeFigureOut">
               <a:rPr lang="es-PE" smtClean="0"/>
-              <a:t>2/12/2019</a:t>
+              <a:t>04/12/2019</a:t>
             </a:fld>
             <a:endParaRPr lang="es-PE"/>
           </a:p>
@@ -1371,7 +1383,7 @@
           </a:lstStyle>
           <a:p>
             <a:r>
-              <a:rPr lang="es-ES"/>
+              <a:rPr lang="es-ES" smtClean="0"/>
               <a:t>Haga clic para modificar el estilo de título del patrón</a:t>
             </a:r>
             <a:endParaRPr lang="en-US" dirty="0"/>
@@ -1450,7 +1462,7 @@
           </a:lstStyle>
           <a:p>
             <a:r>
-              <a:rPr lang="es-ES"/>
+              <a:rPr lang="es-ES" smtClean="0"/>
               <a:t>Haga clic en el icono para agregar una imagen</a:t>
             </a:r>
             <a:endParaRPr lang="en-US" dirty="0"/>
@@ -1525,7 +1537,7 @@
           <a:p>
             <a:pPr lvl="0"/>
             <a:r>
-              <a:rPr lang="es-ES"/>
+              <a:rPr lang="es-ES" smtClean="0"/>
               <a:t>Haga clic para modificar el estilo de texto del patrón</a:t>
             </a:r>
           </a:p>
@@ -1548,7 +1560,7 @@
           <a:p>
             <a:fld id="{93A9BFE2-EB65-41F3-8ECC-B0F8E497806B}" type="datetimeFigureOut">
               <a:rPr lang="es-PE" smtClean="0"/>
-              <a:t>2/12/2019</a:t>
+              <a:t>04/12/2019</a:t>
             </a:fld>
             <a:endParaRPr lang="es-PE"/>
           </a:p>
@@ -2437,7 +2449,7 @@
           </a:lstStyle>
           <a:p>
             <a:r>
-              <a:rPr lang="es-ES"/>
+              <a:rPr lang="es-ES" smtClean="0"/>
               <a:t>Haga clic para modificar el estilo de título del patrón</a:t>
             </a:r>
             <a:endParaRPr lang="en-US" dirty="0"/>
@@ -2505,7 +2517,7 @@
           <a:p>
             <a:pPr lvl="0"/>
             <a:r>
-              <a:rPr lang="es-ES"/>
+              <a:rPr lang="es-ES" smtClean="0"/>
               <a:t>Haga clic para modificar el estilo de texto del patrón</a:t>
             </a:r>
           </a:p>
@@ -2528,7 +2540,7 @@
           <a:p>
             <a:fld id="{93A9BFE2-EB65-41F3-8ECC-B0F8E497806B}" type="datetimeFigureOut">
               <a:rPr lang="es-PE" smtClean="0"/>
-              <a:t>2/12/2019</a:t>
+              <a:t>04/12/2019</a:t>
             </a:fld>
             <a:endParaRPr lang="es-PE"/>
           </a:p>
@@ -3495,7 +3507,7 @@
           </a:lstStyle>
           <a:p>
             <a:r>
-              <a:rPr lang="es-ES"/>
+              <a:rPr lang="es-ES" smtClean="0"/>
               <a:t>Haga clic para modificar el estilo de título del patrón</a:t>
             </a:r>
             <a:endParaRPr lang="en-US" dirty="0"/>
@@ -3572,7 +3584,7 @@
           <a:p>
             <a:pPr lvl="0"/>
             <a:r>
-              <a:rPr lang="es-ES"/>
+              <a:rPr lang="es-ES" smtClean="0"/>
               <a:t>Haga clic para modificar el estilo de texto del patrón</a:t>
             </a:r>
           </a:p>
@@ -3639,7 +3651,7 @@
           <a:p>
             <a:pPr lvl="0"/>
             <a:r>
-              <a:rPr lang="es-ES"/>
+              <a:rPr lang="es-ES" smtClean="0"/>
               <a:t>Haga clic para modificar el estilo de texto del patrón</a:t>
             </a:r>
           </a:p>
@@ -3662,7 +3674,7 @@
           <a:p>
             <a:fld id="{93A9BFE2-EB65-41F3-8ECC-B0F8E497806B}" type="datetimeFigureOut">
               <a:rPr lang="es-PE" smtClean="0"/>
-              <a:t>2/12/2019</a:t>
+              <a:t>04/12/2019</a:t>
             </a:fld>
             <a:endParaRPr lang="es-PE"/>
           </a:p>
@@ -4551,7 +4563,7 @@
           </a:lstStyle>
           <a:p>
             <a:r>
-              <a:rPr lang="es-ES"/>
+              <a:rPr lang="es-ES" smtClean="0"/>
               <a:t>Haga clic para modificar el estilo de título del patrón</a:t>
             </a:r>
             <a:endParaRPr lang="en-US" dirty="0"/>
@@ -4672,7 +4684,7 @@
           <a:p>
             <a:pPr lvl="0"/>
             <a:r>
-              <a:rPr lang="es-ES"/>
+              <a:rPr lang="es-ES" smtClean="0"/>
               <a:t>Haga clic para modificar el estilo de texto del patrón</a:t>
             </a:r>
           </a:p>
@@ -4695,7 +4707,7 @@
           <a:p>
             <a:fld id="{93A9BFE2-EB65-41F3-8ECC-B0F8E497806B}" type="datetimeFigureOut">
               <a:rPr lang="es-PE" smtClean="0"/>
-              <a:t>2/12/2019</a:t>
+              <a:t>04/12/2019</a:t>
             </a:fld>
             <a:endParaRPr lang="es-PE"/>
           </a:p>
@@ -4834,7 +4846,7 @@
           </a:lstStyle>
           <a:p>
             <a:r>
-              <a:rPr lang="es-ES"/>
+              <a:rPr lang="es-ES" smtClean="0"/>
               <a:t>Haga clic para modificar el estilo de título del patrón</a:t>
             </a:r>
             <a:endParaRPr lang="en-US" dirty="0"/>
@@ -4909,7 +4921,7 @@
           <a:p>
             <a:pPr lvl="0"/>
             <a:r>
-              <a:rPr lang="es-ES"/>
+              <a:rPr lang="es-ES" smtClean="0"/>
               <a:t>Haga clic para modificar el estilo de texto del patrón</a:t>
             </a:r>
           </a:p>
@@ -4976,7 +4988,7 @@
           <a:p>
             <a:pPr lvl="0"/>
             <a:r>
-              <a:rPr lang="es-ES"/>
+              <a:rPr lang="es-ES" smtClean="0"/>
               <a:t>Haga clic para modificar el estilo de texto del patrón</a:t>
             </a:r>
           </a:p>
@@ -5050,7 +5062,7 @@
           <a:p>
             <a:pPr lvl="0"/>
             <a:r>
-              <a:rPr lang="es-ES"/>
+              <a:rPr lang="es-ES" smtClean="0"/>
               <a:t>Haga clic para modificar el estilo de texto del patrón</a:t>
             </a:r>
           </a:p>
@@ -5117,7 +5129,7 @@
           <a:p>
             <a:pPr lvl="0"/>
             <a:r>
-              <a:rPr lang="es-ES"/>
+              <a:rPr lang="es-ES" smtClean="0"/>
               <a:t>Haga clic para modificar el estilo de texto del patrón</a:t>
             </a:r>
           </a:p>
@@ -5191,7 +5203,7 @@
           <a:p>
             <a:pPr lvl="0"/>
             <a:r>
-              <a:rPr lang="es-ES"/>
+              <a:rPr lang="es-ES" smtClean="0"/>
               <a:t>Haga clic para modificar el estilo de texto del patrón</a:t>
             </a:r>
           </a:p>
@@ -5258,7 +5270,7 @@
           <a:p>
             <a:pPr lvl="0"/>
             <a:r>
-              <a:rPr lang="es-ES"/>
+              <a:rPr lang="es-ES" smtClean="0"/>
               <a:t>Haga clic para modificar el estilo de texto del patrón</a:t>
             </a:r>
           </a:p>
@@ -5355,7 +5367,7 @@
           <a:p>
             <a:fld id="{93A9BFE2-EB65-41F3-8ECC-B0F8E497806B}" type="datetimeFigureOut">
               <a:rPr lang="es-PE" smtClean="0"/>
-              <a:t>2/12/2019</a:t>
+              <a:t>04/12/2019</a:t>
             </a:fld>
             <a:endParaRPr lang="es-PE"/>
           </a:p>
@@ -5458,7 +5470,7 @@
           </a:lstStyle>
           <a:p>
             <a:r>
-              <a:rPr lang="es-ES"/>
+              <a:rPr lang="es-ES" smtClean="0"/>
               <a:t>Haga clic para modificar el estilo de título del patrón</a:t>
             </a:r>
             <a:endParaRPr lang="en-US" dirty="0"/>
@@ -5533,7 +5545,7 @@
           <a:p>
             <a:pPr lvl="0"/>
             <a:r>
-              <a:rPr lang="es-ES"/>
+              <a:rPr lang="es-ES" smtClean="0"/>
               <a:t>Haga clic para modificar el estilo de texto del patrón</a:t>
             </a:r>
           </a:p>
@@ -5611,7 +5623,7 @@
           </a:lstStyle>
           <a:p>
             <a:r>
-              <a:rPr lang="es-ES"/>
+              <a:rPr lang="es-ES" smtClean="0"/>
               <a:t>Haga clic en el icono para agregar una imagen</a:t>
             </a:r>
             <a:endParaRPr lang="en-US" dirty="0"/>
@@ -5679,7 +5691,7 @@
           <a:p>
             <a:pPr lvl="0"/>
             <a:r>
-              <a:rPr lang="es-ES"/>
+              <a:rPr lang="es-ES" smtClean="0"/>
               <a:t>Haga clic para modificar el estilo de texto del patrón</a:t>
             </a:r>
           </a:p>
@@ -5753,7 +5765,7 @@
           <a:p>
             <a:pPr lvl="0"/>
             <a:r>
-              <a:rPr lang="es-ES"/>
+              <a:rPr lang="es-ES" smtClean="0"/>
               <a:t>Haga clic para modificar el estilo de texto del patrón</a:t>
             </a:r>
           </a:p>
@@ -5831,7 +5843,7 @@
           </a:lstStyle>
           <a:p>
             <a:r>
-              <a:rPr lang="es-ES"/>
+              <a:rPr lang="es-ES" smtClean="0"/>
               <a:t>Haga clic en el icono para agregar una imagen</a:t>
             </a:r>
             <a:endParaRPr lang="en-US" dirty="0"/>
@@ -5899,7 +5911,7 @@
           <a:p>
             <a:pPr lvl="0"/>
             <a:r>
-              <a:rPr lang="es-ES"/>
+              <a:rPr lang="es-ES" smtClean="0"/>
               <a:t>Haga clic para modificar el estilo de texto del patrón</a:t>
             </a:r>
           </a:p>
@@ -5973,7 +5985,7 @@
           <a:p>
             <a:pPr lvl="0"/>
             <a:r>
-              <a:rPr lang="es-ES"/>
+              <a:rPr lang="es-ES" smtClean="0"/>
               <a:t>Haga clic para modificar el estilo de texto del patrón</a:t>
             </a:r>
           </a:p>
@@ -6051,7 +6063,7 @@
           </a:lstStyle>
           <a:p>
             <a:r>
-              <a:rPr lang="es-ES"/>
+              <a:rPr lang="es-ES" smtClean="0"/>
               <a:t>Haga clic en el icono para agregar una imagen</a:t>
             </a:r>
             <a:endParaRPr lang="en-US" dirty="0"/>
@@ -6119,7 +6131,7 @@
           <a:p>
             <a:pPr lvl="0"/>
             <a:r>
-              <a:rPr lang="es-ES"/>
+              <a:rPr lang="es-ES" smtClean="0"/>
               <a:t>Haga clic para modificar el estilo de texto del patrón</a:t>
             </a:r>
           </a:p>
@@ -6216,7 +6228,7 @@
           <a:p>
             <a:fld id="{93A9BFE2-EB65-41F3-8ECC-B0F8E497806B}" type="datetimeFigureOut">
               <a:rPr lang="es-PE" smtClean="0"/>
-              <a:t>2/12/2019</a:t>
+              <a:t>04/12/2019</a:t>
             </a:fld>
             <a:endParaRPr lang="es-PE"/>
           </a:p>
@@ -6320,7 +6332,7 @@
           <a:lstStyle/>
           <a:p>
             <a:r>
-              <a:rPr lang="es-ES"/>
+              <a:rPr lang="es-ES" smtClean="0"/>
               <a:t>Haga clic para modificar el estilo de título del patrón</a:t>
             </a:r>
             <a:endParaRPr lang="en-US" dirty="0"/>
@@ -6349,35 +6361,35 @@
           <a:p>
             <a:pPr lvl="0"/>
             <a:r>
-              <a:rPr lang="es-ES"/>
+              <a:rPr lang="es-ES" smtClean="0"/>
               <a:t>Haga clic para modificar el estilo de texto del patrón</a:t>
             </a:r>
           </a:p>
           <a:p>
             <a:pPr lvl="1"/>
             <a:r>
-              <a:rPr lang="es-ES"/>
+              <a:rPr lang="es-ES" smtClean="0"/>
               <a:t>Segundo nivel</a:t>
             </a:r>
           </a:p>
           <a:p>
             <a:pPr lvl="2"/>
             <a:r>
-              <a:rPr lang="es-ES"/>
+              <a:rPr lang="es-ES" smtClean="0"/>
               <a:t>Tercer nivel</a:t>
             </a:r>
           </a:p>
           <a:p>
             <a:pPr lvl="3"/>
             <a:r>
-              <a:rPr lang="es-ES"/>
+              <a:rPr lang="es-ES" smtClean="0"/>
               <a:t>Cuarto nivel</a:t>
             </a:r>
           </a:p>
           <a:p>
             <a:pPr lvl="4"/>
             <a:r>
-              <a:rPr lang="es-ES"/>
+              <a:rPr lang="es-ES" smtClean="0"/>
               <a:t>Quinto nivel</a:t>
             </a:r>
             <a:endParaRPr lang="en-US" dirty="0"/>
@@ -6406,7 +6418,7 @@
           <a:p>
             <a:fld id="{93A9BFE2-EB65-41F3-8ECC-B0F8E497806B}" type="datetimeFigureOut">
               <a:rPr lang="es-PE" smtClean="0"/>
-              <a:t>2/12/2019</a:t>
+              <a:t>04/12/2019</a:t>
             </a:fld>
             <a:endParaRPr lang="es-PE"/>
           </a:p>
@@ -7292,7 +7304,7 @@
           <a:lstStyle/>
           <a:p>
             <a:r>
-              <a:rPr lang="es-ES"/>
+              <a:rPr lang="es-ES" smtClean="0"/>
               <a:t>Haga clic para modificar el estilo de título del patrón</a:t>
             </a:r>
             <a:endParaRPr lang="en-US" dirty="0"/>
@@ -7321,35 +7333,35 @@
           <a:p>
             <a:pPr lvl="0"/>
             <a:r>
-              <a:rPr lang="es-ES"/>
+              <a:rPr lang="es-ES" smtClean="0"/>
               <a:t>Haga clic para modificar el estilo de texto del patrón</a:t>
             </a:r>
           </a:p>
           <a:p>
             <a:pPr lvl="1"/>
             <a:r>
-              <a:rPr lang="es-ES"/>
+              <a:rPr lang="es-ES" smtClean="0"/>
               <a:t>Segundo nivel</a:t>
             </a:r>
           </a:p>
           <a:p>
             <a:pPr lvl="2"/>
             <a:r>
-              <a:rPr lang="es-ES"/>
+              <a:rPr lang="es-ES" smtClean="0"/>
               <a:t>Tercer nivel</a:t>
             </a:r>
           </a:p>
           <a:p>
             <a:pPr lvl="3"/>
             <a:r>
-              <a:rPr lang="es-ES"/>
+              <a:rPr lang="es-ES" smtClean="0"/>
               <a:t>Cuarto nivel</a:t>
             </a:r>
           </a:p>
           <a:p>
             <a:pPr lvl="4"/>
             <a:r>
-              <a:rPr lang="es-ES"/>
+              <a:rPr lang="es-ES" smtClean="0"/>
               <a:t>Quinto nivel</a:t>
             </a:r>
             <a:endParaRPr lang="en-US" dirty="0"/>
@@ -7378,7 +7390,7 @@
           <a:p>
             <a:fld id="{93A9BFE2-EB65-41F3-8ECC-B0F8E497806B}" type="datetimeFigureOut">
               <a:rPr lang="es-PE" smtClean="0"/>
-              <a:t>2/12/2019</a:t>
+              <a:t>04/12/2019</a:t>
             </a:fld>
             <a:endParaRPr lang="es-PE"/>
           </a:p>
@@ -7508,7 +7520,7 @@
           <a:lstStyle/>
           <a:p>
             <a:r>
-              <a:rPr lang="es-ES"/>
+              <a:rPr lang="es-ES" smtClean="0"/>
               <a:t>Haga clic para modificar el estilo de título del patrón</a:t>
             </a:r>
             <a:endParaRPr lang="en-US" dirty="0"/>
@@ -7537,35 +7549,35 @@
           <a:p>
             <a:pPr lvl="0"/>
             <a:r>
-              <a:rPr lang="es-ES"/>
+              <a:rPr lang="es-ES" smtClean="0"/>
               <a:t>Haga clic para modificar el estilo de texto del patrón</a:t>
             </a:r>
           </a:p>
           <a:p>
             <a:pPr lvl="1"/>
             <a:r>
-              <a:rPr lang="es-ES"/>
+              <a:rPr lang="es-ES" smtClean="0"/>
               <a:t>Segundo nivel</a:t>
             </a:r>
           </a:p>
           <a:p>
             <a:pPr lvl="2"/>
             <a:r>
-              <a:rPr lang="es-ES"/>
+              <a:rPr lang="es-ES" smtClean="0"/>
               <a:t>Tercer nivel</a:t>
             </a:r>
           </a:p>
           <a:p>
             <a:pPr lvl="3"/>
             <a:r>
-              <a:rPr lang="es-ES"/>
+              <a:rPr lang="es-ES" smtClean="0"/>
               <a:t>Cuarto nivel</a:t>
             </a:r>
           </a:p>
           <a:p>
             <a:pPr lvl="4"/>
             <a:r>
-              <a:rPr lang="es-ES"/>
+              <a:rPr lang="es-ES" smtClean="0"/>
               <a:t>Quinto nivel</a:t>
             </a:r>
             <a:endParaRPr lang="en-US" dirty="0"/>
@@ -7589,7 +7601,7 @@
           <a:p>
             <a:fld id="{93A9BFE2-EB65-41F3-8ECC-B0F8E497806B}" type="datetimeFigureOut">
               <a:rPr lang="es-PE" smtClean="0"/>
-              <a:t>2/12/2019</a:t>
+              <a:t>04/12/2019</a:t>
             </a:fld>
             <a:endParaRPr lang="es-PE"/>
           </a:p>
@@ -8479,7 +8491,7 @@
           </a:lstStyle>
           <a:p>
             <a:r>
-              <a:rPr lang="es-ES"/>
+              <a:rPr lang="es-ES" smtClean="0"/>
               <a:t>Haga clic para modificar el estilo de título del patrón</a:t>
             </a:r>
             <a:endParaRPr lang="en-US" dirty="0"/>
@@ -8600,7 +8612,7 @@
           <a:p>
             <a:pPr lvl="0"/>
             <a:r>
-              <a:rPr lang="es-ES"/>
+              <a:rPr lang="es-ES" smtClean="0"/>
               <a:t>Haga clic para modificar el estilo de texto del patrón</a:t>
             </a:r>
           </a:p>
@@ -8623,7 +8635,7 @@
           <a:p>
             <a:fld id="{93A9BFE2-EB65-41F3-8ECC-B0F8E497806B}" type="datetimeFigureOut">
               <a:rPr lang="es-PE" smtClean="0"/>
-              <a:t>2/12/2019</a:t>
+              <a:t>04/12/2019</a:t>
             </a:fld>
             <a:endParaRPr lang="es-PE"/>
           </a:p>
@@ -8753,7 +8765,7 @@
           <a:lstStyle/>
           <a:p>
             <a:r>
-              <a:rPr lang="es-ES"/>
+              <a:rPr lang="es-ES" smtClean="0"/>
               <a:t>Haga clic para modificar el estilo de título del patrón</a:t>
             </a:r>
             <a:endParaRPr lang="en-US" dirty="0"/>
@@ -8784,35 +8796,35 @@
           <a:p>
             <a:pPr lvl="0"/>
             <a:r>
-              <a:rPr lang="es-ES"/>
+              <a:rPr lang="es-ES" smtClean="0"/>
               <a:t>Haga clic para modificar el estilo de texto del patrón</a:t>
             </a:r>
           </a:p>
           <a:p>
             <a:pPr lvl="1"/>
             <a:r>
-              <a:rPr lang="es-ES"/>
+              <a:rPr lang="es-ES" smtClean="0"/>
               <a:t>Segundo nivel</a:t>
             </a:r>
           </a:p>
           <a:p>
             <a:pPr lvl="2"/>
             <a:r>
-              <a:rPr lang="es-ES"/>
+              <a:rPr lang="es-ES" smtClean="0"/>
               <a:t>Tercer nivel</a:t>
             </a:r>
           </a:p>
           <a:p>
             <a:pPr lvl="3"/>
             <a:r>
-              <a:rPr lang="es-ES"/>
+              <a:rPr lang="es-ES" smtClean="0"/>
               <a:t>Cuarto nivel</a:t>
             </a:r>
           </a:p>
           <a:p>
             <a:pPr lvl="4"/>
             <a:r>
-              <a:rPr lang="es-ES"/>
+              <a:rPr lang="es-ES" smtClean="0"/>
               <a:t>Quinto nivel</a:t>
             </a:r>
             <a:endParaRPr lang="en-US" dirty="0"/>
@@ -8843,35 +8855,35 @@
           <a:p>
             <a:pPr lvl="0"/>
             <a:r>
-              <a:rPr lang="es-ES"/>
+              <a:rPr lang="es-ES" smtClean="0"/>
               <a:t>Haga clic para modificar el estilo de texto del patrón</a:t>
             </a:r>
           </a:p>
           <a:p>
             <a:pPr lvl="1"/>
             <a:r>
-              <a:rPr lang="es-ES"/>
+              <a:rPr lang="es-ES" smtClean="0"/>
               <a:t>Segundo nivel</a:t>
             </a:r>
           </a:p>
           <a:p>
             <a:pPr lvl="2"/>
             <a:r>
-              <a:rPr lang="es-ES"/>
+              <a:rPr lang="es-ES" smtClean="0"/>
               <a:t>Tercer nivel</a:t>
             </a:r>
           </a:p>
           <a:p>
             <a:pPr lvl="3"/>
             <a:r>
-              <a:rPr lang="es-ES"/>
+              <a:rPr lang="es-ES" smtClean="0"/>
               <a:t>Cuarto nivel</a:t>
             </a:r>
           </a:p>
           <a:p>
             <a:pPr lvl="4"/>
             <a:r>
-              <a:rPr lang="es-ES"/>
+              <a:rPr lang="es-ES" smtClean="0"/>
               <a:t>Quinto nivel</a:t>
             </a:r>
             <a:endParaRPr lang="en-US" dirty="0"/>
@@ -8895,7 +8907,7 @@
           <a:p>
             <a:fld id="{93A9BFE2-EB65-41F3-8ECC-B0F8E497806B}" type="datetimeFigureOut">
               <a:rPr lang="es-PE" smtClean="0"/>
-              <a:t>2/12/2019</a:t>
+              <a:t>04/12/2019</a:t>
             </a:fld>
             <a:endParaRPr lang="es-PE"/>
           </a:p>
@@ -8993,7 +9005,7 @@
           </a:lstStyle>
           <a:p>
             <a:r>
-              <a:rPr lang="es-ES"/>
+              <a:rPr lang="es-ES" smtClean="0"/>
               <a:t>Haga clic para modificar el estilo de título del patrón</a:t>
             </a:r>
             <a:endParaRPr lang="en-US" dirty="0"/>
@@ -9065,7 +9077,7 @@
           <a:p>
             <a:pPr lvl="0"/>
             <a:r>
-              <a:rPr lang="es-ES"/>
+              <a:rPr lang="es-ES" smtClean="0"/>
               <a:t>Haga clic para modificar el estilo de texto del patrón</a:t>
             </a:r>
           </a:p>
@@ -9095,35 +9107,35 @@
           <a:p>
             <a:pPr lvl="0"/>
             <a:r>
-              <a:rPr lang="es-ES"/>
+              <a:rPr lang="es-ES" smtClean="0"/>
               <a:t>Haga clic para modificar el estilo de texto del patrón</a:t>
             </a:r>
           </a:p>
           <a:p>
             <a:pPr lvl="1"/>
             <a:r>
-              <a:rPr lang="es-ES"/>
+              <a:rPr lang="es-ES" smtClean="0"/>
               <a:t>Segundo nivel</a:t>
             </a:r>
           </a:p>
           <a:p>
             <a:pPr lvl="2"/>
             <a:r>
-              <a:rPr lang="es-ES"/>
+              <a:rPr lang="es-ES" smtClean="0"/>
               <a:t>Tercer nivel</a:t>
             </a:r>
           </a:p>
           <a:p>
             <a:pPr lvl="3"/>
             <a:r>
-              <a:rPr lang="es-ES"/>
+              <a:rPr lang="es-ES" smtClean="0"/>
               <a:t>Cuarto nivel</a:t>
             </a:r>
           </a:p>
           <a:p>
             <a:pPr lvl="4"/>
             <a:r>
-              <a:rPr lang="es-ES"/>
+              <a:rPr lang="es-ES" smtClean="0"/>
               <a:t>Quinto nivel</a:t>
             </a:r>
             <a:endParaRPr lang="en-US" dirty="0"/>
@@ -9195,7 +9207,7 @@
           <a:p>
             <a:pPr lvl="0"/>
             <a:r>
-              <a:rPr lang="es-ES"/>
+              <a:rPr lang="es-ES" smtClean="0"/>
               <a:t>Haga clic para modificar el estilo de texto del patrón</a:t>
             </a:r>
           </a:p>
@@ -9253,35 +9265,35 @@
           <a:p>
             <a:pPr lvl="0"/>
             <a:r>
-              <a:rPr lang="es-ES"/>
+              <a:rPr lang="es-ES" smtClean="0"/>
               <a:t>Haga clic para modificar el estilo de texto del patrón</a:t>
             </a:r>
           </a:p>
           <a:p>
             <a:pPr lvl="1"/>
             <a:r>
-              <a:rPr lang="es-ES"/>
+              <a:rPr lang="es-ES" smtClean="0"/>
               <a:t>Segundo nivel</a:t>
             </a:r>
           </a:p>
           <a:p>
             <a:pPr lvl="2"/>
             <a:r>
-              <a:rPr lang="es-ES"/>
+              <a:rPr lang="es-ES" smtClean="0"/>
               <a:t>Tercer nivel</a:t>
             </a:r>
           </a:p>
           <a:p>
             <a:pPr lvl="3"/>
             <a:r>
-              <a:rPr lang="es-ES"/>
+              <a:rPr lang="es-ES" smtClean="0"/>
               <a:t>Cuarto nivel</a:t>
             </a:r>
           </a:p>
           <a:p>
             <a:pPr lvl="4"/>
             <a:r>
-              <a:rPr lang="es-ES"/>
+              <a:rPr lang="es-ES" smtClean="0"/>
               <a:t>Quinto nivel</a:t>
             </a:r>
             <a:endParaRPr lang="en-US" dirty="0"/>
@@ -9305,7 +9317,7 @@
           <a:p>
             <a:fld id="{93A9BFE2-EB65-41F3-8ECC-B0F8E497806B}" type="datetimeFigureOut">
               <a:rPr lang="es-PE" smtClean="0"/>
-              <a:t>2/12/2019</a:t>
+              <a:t>04/12/2019</a:t>
             </a:fld>
             <a:endParaRPr lang="es-PE"/>
           </a:p>
@@ -9408,7 +9420,7 @@
           </a:lstStyle>
           <a:p>
             <a:r>
-              <a:rPr lang="es-ES"/>
+              <a:rPr lang="es-ES" smtClean="0"/>
               <a:t>Haga clic para modificar el estilo de título del patrón</a:t>
             </a:r>
             <a:endParaRPr lang="en-US" dirty="0"/>
@@ -9432,7 +9444,7 @@
           <a:p>
             <a:fld id="{93A9BFE2-EB65-41F3-8ECC-B0F8E497806B}" type="datetimeFigureOut">
               <a:rPr lang="es-PE" smtClean="0"/>
-              <a:t>2/12/2019</a:t>
+              <a:t>04/12/2019</a:t>
             </a:fld>
             <a:endParaRPr lang="es-PE"/>
           </a:p>
@@ -9527,7 +9539,7 @@
           <a:p>
             <a:fld id="{93A9BFE2-EB65-41F3-8ECC-B0F8E497806B}" type="datetimeFigureOut">
               <a:rPr lang="es-PE" smtClean="0"/>
-              <a:t>2/12/2019</a:t>
+              <a:t>04/12/2019</a:t>
             </a:fld>
             <a:endParaRPr lang="es-PE"/>
           </a:p>
@@ -10453,7 +10465,7 @@
           </a:lstStyle>
           <a:p>
             <a:r>
-              <a:rPr lang="es-ES"/>
+              <a:rPr lang="es-ES" smtClean="0"/>
               <a:t>Haga clic para modificar el estilo de título del patrón</a:t>
             </a:r>
             <a:endParaRPr lang="en-US" dirty="0"/>
@@ -10484,35 +10496,35 @@
           <a:p>
             <a:pPr lvl="0"/>
             <a:r>
-              <a:rPr lang="es-ES"/>
+              <a:rPr lang="es-ES" smtClean="0"/>
               <a:t>Haga clic para modificar el estilo de texto del patrón</a:t>
             </a:r>
           </a:p>
           <a:p>
             <a:pPr lvl="1"/>
             <a:r>
-              <a:rPr lang="es-ES"/>
+              <a:rPr lang="es-ES" smtClean="0"/>
               <a:t>Segundo nivel</a:t>
             </a:r>
           </a:p>
           <a:p>
             <a:pPr lvl="2"/>
             <a:r>
-              <a:rPr lang="es-ES"/>
+              <a:rPr lang="es-ES" smtClean="0"/>
               <a:t>Tercer nivel</a:t>
             </a:r>
           </a:p>
           <a:p>
             <a:pPr lvl="3"/>
             <a:r>
-              <a:rPr lang="es-ES"/>
+              <a:rPr lang="es-ES" smtClean="0"/>
               <a:t>Cuarto nivel</a:t>
             </a:r>
           </a:p>
           <a:p>
             <a:pPr lvl="4"/>
             <a:r>
-              <a:rPr lang="es-ES"/>
+              <a:rPr lang="es-ES" smtClean="0"/>
               <a:t>Quinto nivel</a:t>
             </a:r>
             <a:endParaRPr lang="en-US" dirty="0"/>
@@ -10585,7 +10597,7 @@
           <a:p>
             <a:pPr lvl="0"/>
             <a:r>
-              <a:rPr lang="es-ES"/>
+              <a:rPr lang="es-ES" smtClean="0"/>
               <a:t>Haga clic para modificar el estilo de texto del patrón</a:t>
             </a:r>
           </a:p>
@@ -10608,7 +10620,7 @@
           <a:p>
             <a:fld id="{93A9BFE2-EB65-41F3-8ECC-B0F8E497806B}" type="datetimeFigureOut">
               <a:rPr lang="es-PE" smtClean="0"/>
-              <a:t>2/12/2019</a:t>
+              <a:t>04/12/2019</a:t>
             </a:fld>
             <a:endParaRPr lang="es-PE"/>
           </a:p>
@@ -11536,7 +11548,7 @@
           </a:lstStyle>
           <a:p>
             <a:r>
-              <a:rPr lang="es-ES"/>
+              <a:rPr lang="es-ES" smtClean="0"/>
               <a:t>Haga clic para modificar el estilo de título del patrón</a:t>
             </a:r>
             <a:endParaRPr lang="en-US" dirty="0"/>
@@ -11618,7 +11630,7 @@
               <a:buNone/>
             </a:pPr>
             <a:r>
-              <a:rPr lang="es-ES"/>
+              <a:rPr lang="es-ES" smtClean="0"/>
               <a:t>Haga clic en el icono para agregar una imagen</a:t>
             </a:r>
             <a:endParaRPr lang="en-US" dirty="0"/>
@@ -11693,7 +11705,7 @@
           <a:p>
             <a:pPr lvl="0"/>
             <a:r>
-              <a:rPr lang="es-ES"/>
+              <a:rPr lang="es-ES" smtClean="0"/>
               <a:t>Haga clic para modificar el estilo de texto del patrón</a:t>
             </a:r>
           </a:p>
@@ -11716,7 +11728,7 @@
           <a:p>
             <a:fld id="{93A9BFE2-EB65-41F3-8ECC-B0F8E497806B}" type="datetimeFigureOut">
               <a:rPr lang="es-PE" smtClean="0"/>
-              <a:t>2/12/2019</a:t>
+              <a:t>04/12/2019</a:t>
             </a:fld>
             <a:endParaRPr lang="es-PE"/>
           </a:p>
@@ -12611,7 +12623,7 @@
           <a:lstStyle/>
           <a:p>
             <a:r>
-              <a:rPr lang="es-ES"/>
+              <a:rPr lang="es-ES" smtClean="0"/>
               <a:t>Haga clic para modificar el estilo de título del patrón</a:t>
             </a:r>
             <a:endParaRPr lang="en-US" dirty="0"/>
@@ -12645,35 +12657,35 @@
           <a:p>
             <a:pPr lvl="0"/>
             <a:r>
-              <a:rPr lang="es-ES"/>
+              <a:rPr lang="es-ES" smtClean="0"/>
               <a:t>Haga clic para modificar el estilo de texto del patrón</a:t>
             </a:r>
           </a:p>
           <a:p>
             <a:pPr lvl="1"/>
             <a:r>
-              <a:rPr lang="es-ES"/>
+              <a:rPr lang="es-ES" smtClean="0"/>
               <a:t>Segundo nivel</a:t>
             </a:r>
           </a:p>
           <a:p>
             <a:pPr lvl="2"/>
             <a:r>
-              <a:rPr lang="es-ES"/>
+              <a:rPr lang="es-ES" smtClean="0"/>
               <a:t>Tercer nivel</a:t>
             </a:r>
           </a:p>
           <a:p>
             <a:pPr lvl="3"/>
             <a:r>
-              <a:rPr lang="es-ES"/>
+              <a:rPr lang="es-ES" smtClean="0"/>
               <a:t>Cuarto nivel</a:t>
             </a:r>
           </a:p>
           <a:p>
             <a:pPr lvl="4"/>
             <a:r>
-              <a:rPr lang="es-ES"/>
+              <a:rPr lang="es-ES" smtClean="0"/>
               <a:t>Quinto nivel</a:t>
             </a:r>
             <a:endParaRPr lang="en-US" dirty="0"/>
@@ -12713,7 +12725,7 @@
           <a:p>
             <a:fld id="{93A9BFE2-EB65-41F3-8ECC-B0F8E497806B}" type="datetimeFigureOut">
               <a:rPr lang="es-PE" smtClean="0"/>
-              <a:t>2/12/2019</a:t>
+              <a:t>04/12/2019</a:t>
             </a:fld>
             <a:endParaRPr lang="es-PE"/>
           </a:p>
@@ -13301,12 +13313,12 @@
           <a:lstStyle/>
           <a:p>
             <a:r>
-              <a:rPr lang="en-US" dirty="0">
+              <a:rPr lang="en-US" dirty="0" smtClean="0">
                 <a:solidFill>
                   <a:schemeClr val="bg1"/>
                 </a:solidFill>
               </a:rPr>
-              <a:t>My-E</a:t>
+              <a:t>My-E-demo</a:t>
             </a:r>
             <a:endParaRPr lang="es-PE" dirty="0">
               <a:solidFill>
@@ -13369,7 +13381,7 @@
           <a:lstStyle/>
           <a:p>
             <a:r>
-              <a:rPr lang="es-ES" sz="2000" dirty="0">
+              <a:rPr lang="es-ES" sz="2000" dirty="0" smtClean="0">
                 <a:solidFill>
                   <a:schemeClr val="bg1"/>
                 </a:solidFill>
@@ -13384,14 +13396,14 @@
           </a:p>
           <a:p>
             <a:r>
-              <a:rPr lang="es-ES" sz="2000" dirty="0">
+              <a:rPr lang="es-ES" sz="2000" dirty="0" smtClean="0">
                 <a:solidFill>
                   <a:schemeClr val="bg1"/>
                 </a:solidFill>
               </a:rPr>
               <a:t>Escudero, Gonzalo</a:t>
             </a:r>
-            <a:endParaRPr lang="ru-RU" sz="2000" dirty="0">
+            <a:endParaRPr lang="ru-RU" sz="2000" dirty="0" smtClean="0">
               <a:solidFill>
                 <a:schemeClr val="bg1"/>
               </a:solidFill>
@@ -13399,14 +13411,14 @@
           </a:p>
           <a:p>
             <a:r>
-              <a:rPr lang="es-ES" sz="2000" dirty="0">
+              <a:rPr lang="es-ES" sz="2000" dirty="0" smtClean="0">
                 <a:solidFill>
                   <a:schemeClr val="bg1"/>
                 </a:solidFill>
               </a:rPr>
-              <a:t>Obregon, Juan  </a:t>
-            </a:r>
-            <a:endParaRPr lang="ru-RU" sz="2000" dirty="0">
+              <a:t>Obregon, Diego</a:t>
+            </a:r>
+            <a:endParaRPr lang="ru-RU" sz="2000" dirty="0" smtClean="0">
               <a:solidFill>
                 <a:schemeClr val="bg1"/>
               </a:solidFill>
@@ -13414,7 +13426,7 @@
           </a:p>
           <a:p>
             <a:r>
-              <a:rPr lang="es-ES" sz="2000" dirty="0">
+              <a:rPr lang="es-ES" sz="2000" dirty="0" smtClean="0">
                 <a:solidFill>
                   <a:schemeClr val="bg1"/>
                 </a:solidFill>
@@ -13424,14 +13436,14 @@
           </a:p>
           <a:p>
             <a:r>
-              <a:rPr lang="es-PE" sz="2000" dirty="0">
+              <a:rPr lang="es-PE" sz="2000" dirty="0" smtClean="0">
                 <a:solidFill>
                   <a:schemeClr val="bg1"/>
                 </a:solidFill>
               </a:rPr>
               <a:t>Valdivia, Imanol </a:t>
             </a:r>
-            <a:endParaRPr lang="es-ES" sz="2000" dirty="0">
+            <a:endParaRPr lang="es-ES" sz="2000" dirty="0" smtClean="0">
               <a:solidFill>
                 <a:schemeClr val="bg1"/>
               </a:solidFill>
@@ -13485,13 +13497,26 @@
           <a:lstStyle/>
           <a:p>
             <a:r>
-              <a:rPr lang="es-PE" dirty="0">
+              <a:rPr lang="es-PE" dirty="0" smtClean="0">
                 <a:solidFill>
                   <a:schemeClr val="bg1"/>
                 </a:solidFill>
               </a:rPr>
-              <a:t>Product Backlog</a:t>
-            </a:r>
+              <a:t>Sprint </a:t>
+            </a:r>
+            <a:r>
+              <a:rPr lang="es-PE" dirty="0" err="1" smtClean="0">
+                <a:solidFill>
+                  <a:schemeClr val="bg1"/>
+                </a:solidFill>
+              </a:rPr>
+              <a:t>Backlog</a:t>
+            </a:r>
+            <a:endParaRPr lang="es-PE" dirty="0">
+              <a:solidFill>
+                <a:schemeClr val="bg1"/>
+              </a:solidFill>
+            </a:endParaRPr>
           </a:p>
         </p:txBody>
       </p:sp>
@@ -13501,7 +13526,7 @@
           <p:cNvPicPr/>
           <p:nvPr/>
         </p:nvPicPr>
-        <p:blipFill>
+        <p:blipFill rotWithShape="1">
           <a:blip r:embed="rId2">
             <a:extLst>
               <a:ext uri="{28A0092B-C50C-407E-A947-70E740481C1C}">
@@ -13509,14 +13534,13 @@
               </a:ext>
             </a:extLst>
           </a:blip>
-          <a:stretch>
-            <a:fillRect/>
-          </a:stretch>
+          <a:srcRect r="49756"/>
+          <a:stretch/>
         </p:blipFill>
         <p:spPr>
           <a:xfrm>
-            <a:off x="1659620" y="2146300"/>
-            <a:ext cx="8462280" cy="4622800"/>
+            <a:off x="3127811" y="1680632"/>
+            <a:ext cx="4818454" cy="5177368"/>
           </a:xfrm>
           <a:prstGeom prst="rect">
             <a:avLst/>
@@ -13526,7 +13550,7 @@
     </p:spTree>
     <p:extLst>
       <p:ext uri="{BB962C8B-B14F-4D97-AF65-F5344CB8AC3E}">
-        <p14:creationId xmlns:p14="http://schemas.microsoft.com/office/powerpoint/2010/main" val="1412751139"/>
+        <p14:creationId xmlns:p14="http://schemas.microsoft.com/office/powerpoint/2010/main" val="850515093"/>
       </p:ext>
     </p:extLst>
   </p:cSld>
@@ -13569,39 +13593,63 @@
           <a:lstStyle/>
           <a:p>
             <a:r>
-              <a:rPr lang="es-PE" dirty="0">
+              <a:rPr lang="es-PE" dirty="0" err="1" smtClean="0">
                 <a:solidFill>
                   <a:schemeClr val="bg1"/>
                 </a:solidFill>
               </a:rPr>
-              <a:t>Sprint Backlog </a:t>
-            </a:r>
+              <a:t>Engineering</a:t>
+            </a:r>
+            <a:r>
+              <a:rPr lang="es-PE" dirty="0" smtClean="0">
+                <a:solidFill>
+                  <a:schemeClr val="bg1"/>
+                </a:solidFill>
+              </a:rPr>
+              <a:t> </a:t>
+            </a:r>
+            <a:r>
+              <a:rPr lang="es-PE" dirty="0" err="1" smtClean="0">
+                <a:solidFill>
+                  <a:schemeClr val="bg1"/>
+                </a:solidFill>
+              </a:rPr>
+              <a:t>Tasks</a:t>
+            </a:r>
+            <a:endParaRPr lang="es-PE" dirty="0">
+              <a:solidFill>
+                <a:schemeClr val="bg1"/>
+              </a:solidFill>
+            </a:endParaRPr>
           </a:p>
         </p:txBody>
       </p:sp>
-      <p:sp>
-        <p:nvSpPr>
-          <p:cNvPr id="3" name="Marcador de contenido 2"/>
-          <p:cNvSpPr>
-            <a:spLocks noGrp="1"/>
-          </p:cNvSpPr>
-          <p:nvPr>
-            <p:ph idx="1"/>
-          </p:nvPr>
-        </p:nvSpPr>
-        <p:spPr/>
-        <p:txBody>
-          <a:bodyPr/>
-          <a:lstStyle/>
-          <a:p>
-            <a:endParaRPr lang="es-PE" dirty="0"/>
-          </a:p>
-        </p:txBody>
-      </p:sp>
+      <p:pic>
+        <p:nvPicPr>
+          <p:cNvPr id="5" name="Imagen 4"/>
+          <p:cNvPicPr/>
+          <p:nvPr/>
+        </p:nvPicPr>
+        <p:blipFill>
+          <a:blip r:embed="rId2"/>
+          <a:stretch>
+            <a:fillRect/>
+          </a:stretch>
+        </p:blipFill>
+        <p:spPr>
+          <a:xfrm>
+            <a:off x="1061004" y="1956788"/>
+            <a:ext cx="9177700" cy="4276587"/>
+          </a:xfrm>
+          <a:prstGeom prst="rect">
+            <a:avLst/>
+          </a:prstGeom>
+        </p:spPr>
+      </p:pic>
     </p:spTree>
     <p:extLst>
       <p:ext uri="{BB962C8B-B14F-4D97-AF65-F5344CB8AC3E}">
-        <p14:creationId xmlns:p14="http://schemas.microsoft.com/office/powerpoint/2010/main" val="1036722737"/>
+        <p14:creationId xmlns:p14="http://schemas.microsoft.com/office/powerpoint/2010/main" val="2841980992"/>
       </p:ext>
     </p:extLst>
   </p:cSld>
@@ -13644,13 +13692,34 @@
           <a:lstStyle/>
           <a:p>
             <a:r>
+              <a:rPr lang="es-PE" dirty="0" err="1">
+                <a:solidFill>
+                  <a:schemeClr val="bg1"/>
+                </a:solidFill>
+              </a:rPr>
+              <a:t>User</a:t>
+            </a:r>
+            <a:r>
               <a:rPr lang="es-PE" dirty="0">
                 <a:solidFill>
                   <a:schemeClr val="bg1"/>
                 </a:solidFill>
               </a:rPr>
-              <a:t>Historias de Usuario: Usa Trello </a:t>
-            </a:r>
+              <a:t> </a:t>
+            </a:r>
+            <a:r>
+              <a:rPr lang="es-PE" dirty="0" err="1">
+                <a:solidFill>
+                  <a:schemeClr val="bg1"/>
+                </a:solidFill>
+              </a:rPr>
+              <a:t>Stories</a:t>
+            </a:r>
+            <a:endParaRPr lang="es-PE" dirty="0">
+              <a:solidFill>
+                <a:schemeClr val="bg1"/>
+              </a:solidFill>
+            </a:endParaRPr>
           </a:p>
         </p:txBody>
       </p:sp>
@@ -13669,14 +13738,38 @@
           <a:bodyPr/>
           <a:lstStyle/>
           <a:p>
-            <a:endParaRPr lang="es-PE" dirty="0"/>
+            <a:endParaRPr lang="es-PE"/>
           </a:p>
         </p:txBody>
       </p:sp>
+      <p:pic>
+        <p:nvPicPr>
+          <p:cNvPr id="4" name="Imagen 3"/>
+          <p:cNvPicPr>
+            <a:picLocks noChangeAspect="1"/>
+          </p:cNvPicPr>
+          <p:nvPr/>
+        </p:nvPicPr>
+        <p:blipFill>
+          <a:blip r:embed="rId2"/>
+          <a:stretch>
+            <a:fillRect/>
+          </a:stretch>
+        </p:blipFill>
+        <p:spPr>
+          <a:xfrm>
+            <a:off x="5127805" y="764548"/>
+            <a:ext cx="5226810" cy="5962241"/>
+          </a:xfrm>
+          <a:prstGeom prst="rect">
+            <a:avLst/>
+          </a:prstGeom>
+        </p:spPr>
+      </p:pic>
     </p:spTree>
     <p:extLst>
       <p:ext uri="{BB962C8B-B14F-4D97-AF65-F5344CB8AC3E}">
-        <p14:creationId xmlns:p14="http://schemas.microsoft.com/office/powerpoint/2010/main" val="1344298808"/>
+        <p14:creationId xmlns:p14="http://schemas.microsoft.com/office/powerpoint/2010/main" val="2829996709"/>
       </p:ext>
     </p:extLst>
   </p:cSld>
@@ -13719,13 +13812,34 @@
           <a:lstStyle/>
           <a:p>
             <a:r>
+              <a:rPr lang="es-PE" dirty="0" err="1">
+                <a:solidFill>
+                  <a:schemeClr val="bg1"/>
+                </a:solidFill>
+              </a:rPr>
+              <a:t>User</a:t>
+            </a:r>
+            <a:r>
               <a:rPr lang="es-PE" dirty="0">
                 <a:solidFill>
                   <a:schemeClr val="bg1"/>
                 </a:solidFill>
               </a:rPr>
-              <a:t>La Aplicación Web (Backend y Frontend) </a:t>
-            </a:r>
+              <a:t> </a:t>
+            </a:r>
+            <a:r>
+              <a:rPr lang="es-PE" dirty="0" err="1">
+                <a:solidFill>
+                  <a:schemeClr val="bg1"/>
+                </a:solidFill>
+              </a:rPr>
+              <a:t>Stories</a:t>
+            </a:r>
+            <a:endParaRPr lang="es-PE" dirty="0">
+              <a:solidFill>
+                <a:schemeClr val="bg1"/>
+              </a:solidFill>
+            </a:endParaRPr>
           </a:p>
         </p:txBody>
       </p:sp>
@@ -13744,14 +13858,38 @@
           <a:bodyPr/>
           <a:lstStyle/>
           <a:p>
-            <a:endParaRPr lang="es-PE" dirty="0"/>
+            <a:endParaRPr lang="es-PE"/>
           </a:p>
         </p:txBody>
       </p:sp>
+      <p:pic>
+        <p:nvPicPr>
+          <p:cNvPr id="5" name="Imagen 4"/>
+          <p:cNvPicPr>
+            <a:picLocks noChangeAspect="1"/>
+          </p:cNvPicPr>
+          <p:nvPr/>
+        </p:nvPicPr>
+        <p:blipFill>
+          <a:blip r:embed="rId2"/>
+          <a:stretch>
+            <a:fillRect/>
+          </a:stretch>
+        </p:blipFill>
+        <p:spPr>
+          <a:xfrm>
+            <a:off x="5027411" y="642468"/>
+            <a:ext cx="4953202" cy="6081948"/>
+          </a:xfrm>
+          <a:prstGeom prst="rect">
+            <a:avLst/>
+          </a:prstGeom>
+        </p:spPr>
+      </p:pic>
     </p:spTree>
     <p:extLst>
       <p:ext uri="{BB962C8B-B14F-4D97-AF65-F5344CB8AC3E}">
-        <p14:creationId xmlns:p14="http://schemas.microsoft.com/office/powerpoint/2010/main" val="401297764"/>
+        <p14:creationId xmlns:p14="http://schemas.microsoft.com/office/powerpoint/2010/main" val="2415397309"/>
       </p:ext>
     </p:extLst>
   </p:cSld>
@@ -13794,13 +13932,34 @@
           <a:lstStyle/>
           <a:p>
             <a:r>
+              <a:rPr lang="es-PE" dirty="0" err="1">
+                <a:solidFill>
+                  <a:schemeClr val="bg1"/>
+                </a:solidFill>
+              </a:rPr>
+              <a:t>User</a:t>
+            </a:r>
+            <a:r>
               <a:rPr lang="es-PE" dirty="0">
                 <a:solidFill>
                   <a:schemeClr val="bg1"/>
                 </a:solidFill>
               </a:rPr>
-              <a:t>Funcionalidad de Mantenimiento de Datos</a:t>
-            </a:r>
+              <a:t> </a:t>
+            </a:r>
+            <a:r>
+              <a:rPr lang="es-PE" dirty="0" err="1">
+                <a:solidFill>
+                  <a:schemeClr val="bg1"/>
+                </a:solidFill>
+              </a:rPr>
+              <a:t>Stories</a:t>
+            </a:r>
+            <a:endParaRPr lang="es-PE" dirty="0">
+              <a:solidFill>
+                <a:schemeClr val="bg1"/>
+              </a:solidFill>
+            </a:endParaRPr>
           </a:p>
         </p:txBody>
       </p:sp>
@@ -13819,14 +13978,854 @@
           <a:bodyPr/>
           <a:lstStyle/>
           <a:p>
+            <a:endParaRPr lang="es-PE"/>
+          </a:p>
+        </p:txBody>
+      </p:sp>
+      <p:pic>
+        <p:nvPicPr>
+          <p:cNvPr id="5" name="Imagen 4"/>
+          <p:cNvPicPr>
+            <a:picLocks noChangeAspect="1"/>
+          </p:cNvPicPr>
+          <p:nvPr/>
+        </p:nvPicPr>
+        <p:blipFill>
+          <a:blip r:embed="rId2"/>
+          <a:stretch>
+            <a:fillRect/>
+          </a:stretch>
+        </p:blipFill>
+        <p:spPr>
+          <a:xfrm>
+            <a:off x="5101143" y="673190"/>
+            <a:ext cx="4815224" cy="5975816"/>
+          </a:xfrm>
+          <a:prstGeom prst="rect">
+            <a:avLst/>
+          </a:prstGeom>
+        </p:spPr>
+      </p:pic>
+    </p:spTree>
+    <p:extLst>
+      <p:ext uri="{BB962C8B-B14F-4D97-AF65-F5344CB8AC3E}">
+        <p14:creationId xmlns:p14="http://schemas.microsoft.com/office/powerpoint/2010/main" val="3040586225"/>
+      </p:ext>
+    </p:extLst>
+  </p:cSld>
+  <p:clrMapOvr>
+    <a:masterClrMapping/>
+  </p:clrMapOvr>
+</p:sld>
+</file>
+
+<file path=ppt/slides/slide15.xml><?xml version="1.0" encoding="utf-8"?>
+<p:sld xmlns:a="http://schemas.openxmlformats.org/drawingml/2006/main" xmlns:r="http://schemas.openxmlformats.org/officeDocument/2006/relationships" xmlns:p="http://schemas.openxmlformats.org/presentationml/2006/main">
+  <p:cSld>
+    <p:spTree>
+      <p:nvGrpSpPr>
+        <p:cNvPr id="1" name=""/>
+        <p:cNvGrpSpPr/>
+        <p:nvPr/>
+      </p:nvGrpSpPr>
+      <p:grpSpPr>
+        <a:xfrm>
+          <a:off x="0" y="0"/>
+          <a:ext cx="0" cy="0"/>
+          <a:chOff x="0" y="0"/>
+          <a:chExt cx="0" cy="0"/>
+        </a:xfrm>
+      </p:grpSpPr>
+      <p:sp>
+        <p:nvSpPr>
+          <p:cNvPr id="2" name="Título 1"/>
+          <p:cNvSpPr>
+            <a:spLocks noGrp="1"/>
+          </p:cNvSpPr>
+          <p:nvPr>
+            <p:ph type="title"/>
+          </p:nvPr>
+        </p:nvSpPr>
+        <p:spPr/>
+        <p:txBody>
+          <a:bodyPr/>
+          <a:lstStyle/>
+          <a:p>
+            <a:r>
+              <a:rPr lang="es-PE" dirty="0" smtClean="0">
+                <a:solidFill>
+                  <a:schemeClr val="bg1"/>
+                </a:solidFill>
+              </a:rPr>
+              <a:t>Diagr</a:t>
+            </a:r>
+            <a:r>
+              <a:rPr lang="es-PE" dirty="0">
+                <a:solidFill>
+                  <a:schemeClr val="bg1"/>
+                </a:solidFill>
+              </a:rPr>
+              <a:t>a</a:t>
+            </a:r>
+            <a:r>
+              <a:rPr lang="es-PE" dirty="0" smtClean="0">
+                <a:solidFill>
+                  <a:schemeClr val="bg1"/>
+                </a:solidFill>
+              </a:rPr>
+              <a:t>ma de clases</a:t>
+            </a:r>
+            <a:endParaRPr lang="es-PE" dirty="0">
+              <a:solidFill>
+                <a:schemeClr val="bg1"/>
+              </a:solidFill>
+            </a:endParaRPr>
+          </a:p>
+        </p:txBody>
+      </p:sp>
+      <p:sp>
+        <p:nvSpPr>
+          <p:cNvPr id="3" name="Marcador de contenido 2"/>
+          <p:cNvSpPr>
+            <a:spLocks noGrp="1"/>
+          </p:cNvSpPr>
+          <p:nvPr>
+            <p:ph idx="1"/>
+          </p:nvPr>
+        </p:nvSpPr>
+        <p:spPr/>
+        <p:txBody>
+          <a:bodyPr/>
+          <a:lstStyle/>
+          <a:p>
+            <a:endParaRPr lang="es-PE"/>
+          </a:p>
+        </p:txBody>
+      </p:sp>
+      <p:pic>
+        <p:nvPicPr>
+          <p:cNvPr id="6" name="Imagen 5"/>
+          <p:cNvPicPr/>
+          <p:nvPr/>
+        </p:nvPicPr>
+        <p:blipFill>
+          <a:blip r:embed="rId2" cstate="print">
+            <a:extLst>
+              <a:ext uri="{28A0092B-C50C-407E-A947-70E740481C1C}">
+                <a14:useLocalDpi xmlns:a14="http://schemas.microsoft.com/office/drawing/2010/main" val="0"/>
+              </a:ext>
+            </a:extLst>
+          </a:blip>
+          <a:stretch>
+            <a:fillRect/>
+          </a:stretch>
+        </p:blipFill>
+        <p:spPr>
+          <a:xfrm>
+            <a:off x="927279" y="515156"/>
+            <a:ext cx="10921285" cy="5962918"/>
+          </a:xfrm>
+          <a:prstGeom prst="rect">
+            <a:avLst/>
+          </a:prstGeom>
+        </p:spPr>
+      </p:pic>
+    </p:spTree>
+    <p:extLst>
+      <p:ext uri="{BB962C8B-B14F-4D97-AF65-F5344CB8AC3E}">
+        <p14:creationId xmlns:p14="http://schemas.microsoft.com/office/powerpoint/2010/main" val="3954722611"/>
+      </p:ext>
+    </p:extLst>
+  </p:cSld>
+  <p:clrMapOvr>
+    <a:masterClrMapping/>
+  </p:clrMapOvr>
+</p:sld>
+</file>
+
+<file path=ppt/slides/slide16.xml><?xml version="1.0" encoding="utf-8"?>
+<p:sld xmlns:a="http://schemas.openxmlformats.org/drawingml/2006/main" xmlns:r="http://schemas.openxmlformats.org/officeDocument/2006/relationships" xmlns:p="http://schemas.openxmlformats.org/presentationml/2006/main">
+  <p:cSld>
+    <p:spTree>
+      <p:nvGrpSpPr>
+        <p:cNvPr id="1" name=""/>
+        <p:cNvGrpSpPr/>
+        <p:nvPr/>
+      </p:nvGrpSpPr>
+      <p:grpSpPr>
+        <a:xfrm>
+          <a:off x="0" y="0"/>
+          <a:ext cx="0" cy="0"/>
+          <a:chOff x="0" y="0"/>
+          <a:chExt cx="0" cy="0"/>
+        </a:xfrm>
+      </p:grpSpPr>
+      <p:sp>
+        <p:nvSpPr>
+          <p:cNvPr id="2" name="Título 1"/>
+          <p:cNvSpPr>
+            <a:spLocks noGrp="1"/>
+          </p:cNvSpPr>
+          <p:nvPr>
+            <p:ph type="title"/>
+          </p:nvPr>
+        </p:nvSpPr>
+        <p:spPr>
+          <a:xfrm>
+            <a:off x="1154955" y="973668"/>
+            <a:ext cx="4485992" cy="706964"/>
+          </a:xfrm>
+        </p:spPr>
+        <p:txBody>
+          <a:bodyPr/>
+          <a:lstStyle/>
+          <a:p>
+            <a:r>
+              <a:rPr lang="es-PE" dirty="0" smtClean="0">
+                <a:solidFill>
+                  <a:schemeClr val="bg1"/>
+                </a:solidFill>
+              </a:rPr>
+              <a:t>Diagr</a:t>
+            </a:r>
+            <a:r>
+              <a:rPr lang="es-PE" dirty="0">
+                <a:solidFill>
+                  <a:schemeClr val="bg1"/>
+                </a:solidFill>
+              </a:rPr>
+              <a:t>a</a:t>
+            </a:r>
+            <a:r>
+              <a:rPr lang="es-PE" dirty="0" smtClean="0">
+                <a:solidFill>
+                  <a:schemeClr val="bg1"/>
+                </a:solidFill>
+              </a:rPr>
+              <a:t>ma de base de datos</a:t>
+            </a:r>
+            <a:endParaRPr lang="es-PE" dirty="0">
+              <a:solidFill>
+                <a:schemeClr val="bg1"/>
+              </a:solidFill>
+            </a:endParaRPr>
+          </a:p>
+        </p:txBody>
+      </p:sp>
+      <p:sp>
+        <p:nvSpPr>
+          <p:cNvPr id="3" name="Marcador de contenido 2"/>
+          <p:cNvSpPr>
+            <a:spLocks noGrp="1"/>
+          </p:cNvSpPr>
+          <p:nvPr>
+            <p:ph idx="1"/>
+          </p:nvPr>
+        </p:nvSpPr>
+        <p:spPr/>
+        <p:txBody>
+          <a:bodyPr/>
+          <a:lstStyle/>
+          <a:p>
             <a:endParaRPr lang="es-PE" dirty="0"/>
+          </a:p>
+        </p:txBody>
+      </p:sp>
+      <p:pic>
+        <p:nvPicPr>
+          <p:cNvPr id="4" name="Imagen 3"/>
+          <p:cNvPicPr/>
+          <p:nvPr/>
+        </p:nvPicPr>
+        <p:blipFill>
+          <a:blip r:embed="rId2">
+            <a:extLst>
+              <a:ext uri="{28A0092B-C50C-407E-A947-70E740481C1C}">
+                <a14:useLocalDpi xmlns:a14="http://schemas.microsoft.com/office/drawing/2010/main" val="0"/>
+              </a:ext>
+            </a:extLst>
+          </a:blip>
+          <a:stretch>
+            <a:fillRect/>
+          </a:stretch>
+        </p:blipFill>
+        <p:spPr>
+          <a:xfrm>
+            <a:off x="5980990" y="811369"/>
+            <a:ext cx="5378177" cy="5597226"/>
+          </a:xfrm>
+          <a:prstGeom prst="rect">
+            <a:avLst/>
+          </a:prstGeom>
+        </p:spPr>
+      </p:pic>
+    </p:spTree>
+    <p:extLst>
+      <p:ext uri="{BB962C8B-B14F-4D97-AF65-F5344CB8AC3E}">
+        <p14:creationId xmlns:p14="http://schemas.microsoft.com/office/powerpoint/2010/main" val="3441437881"/>
+      </p:ext>
+    </p:extLst>
+  </p:cSld>
+  <p:clrMapOvr>
+    <a:masterClrMapping/>
+  </p:clrMapOvr>
+</p:sld>
+</file>
+
+<file path=ppt/slides/slide17.xml><?xml version="1.0" encoding="utf-8"?>
+<p:sld xmlns:a="http://schemas.openxmlformats.org/drawingml/2006/main" xmlns:r="http://schemas.openxmlformats.org/officeDocument/2006/relationships" xmlns:p="http://schemas.openxmlformats.org/presentationml/2006/main">
+  <p:cSld>
+    <p:spTree>
+      <p:nvGrpSpPr>
+        <p:cNvPr id="1" name=""/>
+        <p:cNvGrpSpPr/>
+        <p:nvPr/>
+      </p:nvGrpSpPr>
+      <p:grpSpPr>
+        <a:xfrm>
+          <a:off x="0" y="0"/>
+          <a:ext cx="0" cy="0"/>
+          <a:chOff x="0" y="0"/>
+          <a:chExt cx="0" cy="0"/>
+        </a:xfrm>
+      </p:grpSpPr>
+      <p:sp>
+        <p:nvSpPr>
+          <p:cNvPr id="3" name="Marcador de contenido 2"/>
+          <p:cNvSpPr>
+            <a:spLocks noGrp="1"/>
+          </p:cNvSpPr>
+          <p:nvPr>
+            <p:ph idx="1"/>
+          </p:nvPr>
+        </p:nvSpPr>
+        <p:spPr/>
+        <p:txBody>
+          <a:bodyPr/>
+          <a:lstStyle/>
+          <a:p>
+            <a:endParaRPr lang="es-PE" dirty="0"/>
+          </a:p>
+        </p:txBody>
+      </p:sp>
+      <p:pic>
+        <p:nvPicPr>
+          <p:cNvPr id="6" name="Imagen 5"/>
+          <p:cNvPicPr/>
+          <p:nvPr/>
+        </p:nvPicPr>
+        <p:blipFill>
+          <a:blip r:embed="rId2">
+            <a:extLst>
+              <a:ext uri="{28A0092B-C50C-407E-A947-70E740481C1C}">
+                <a14:useLocalDpi xmlns:a14="http://schemas.microsoft.com/office/drawing/2010/main" val="0"/>
+              </a:ext>
+            </a:extLst>
+          </a:blip>
+          <a:stretch>
+            <a:fillRect/>
+          </a:stretch>
+        </p:blipFill>
+        <p:spPr>
+          <a:xfrm>
+            <a:off x="1502683" y="692022"/>
+            <a:ext cx="9302691" cy="6135094"/>
+          </a:xfrm>
+          <a:prstGeom prst="rect">
+            <a:avLst/>
+          </a:prstGeom>
+        </p:spPr>
+      </p:pic>
+      <p:sp>
+        <p:nvSpPr>
+          <p:cNvPr id="2" name="Título 1"/>
+          <p:cNvSpPr>
+            <a:spLocks noGrp="1"/>
+          </p:cNvSpPr>
+          <p:nvPr>
+            <p:ph type="title"/>
+          </p:nvPr>
+        </p:nvSpPr>
+        <p:spPr>
+          <a:xfrm>
+            <a:off x="0" y="3225783"/>
+            <a:ext cx="8761413" cy="706964"/>
+          </a:xfrm>
+        </p:spPr>
+        <p:txBody>
+          <a:bodyPr vert="horz"/>
+          <a:lstStyle/>
+          <a:p>
+            <a:r>
+              <a:rPr lang="es-PE" sz="2800" dirty="0" smtClean="0">
+                <a:solidFill>
+                  <a:schemeClr val="tx1"/>
+                </a:solidFill>
+              </a:rPr>
+              <a:t>C</a:t>
+            </a:r>
+            <a:br>
+              <a:rPr lang="es-PE" sz="2800" dirty="0" smtClean="0">
+                <a:solidFill>
+                  <a:schemeClr val="tx1"/>
+                </a:solidFill>
+              </a:rPr>
+            </a:br>
+            <a:r>
+              <a:rPr lang="es-PE" sz="2800" dirty="0" smtClean="0">
+                <a:solidFill>
+                  <a:schemeClr val="tx1"/>
+                </a:solidFill>
+              </a:rPr>
+              <a:t>o</a:t>
+            </a:r>
+            <a:br>
+              <a:rPr lang="es-PE" sz="2800" dirty="0" smtClean="0">
+                <a:solidFill>
+                  <a:schemeClr val="tx1"/>
+                </a:solidFill>
+              </a:rPr>
+            </a:br>
+            <a:r>
+              <a:rPr lang="es-PE" sz="2800" dirty="0" smtClean="0">
+                <a:solidFill>
+                  <a:schemeClr val="tx1"/>
+                </a:solidFill>
+              </a:rPr>
+              <a:t>n</a:t>
+            </a:r>
+            <a:br>
+              <a:rPr lang="es-PE" sz="2800" dirty="0" smtClean="0">
+                <a:solidFill>
+                  <a:schemeClr val="tx1"/>
+                </a:solidFill>
+              </a:rPr>
+            </a:br>
+            <a:r>
+              <a:rPr lang="es-PE" sz="2800" dirty="0" smtClean="0">
+                <a:solidFill>
+                  <a:schemeClr val="tx1"/>
+                </a:solidFill>
+              </a:rPr>
+              <a:t>t</a:t>
+            </a:r>
+            <a:br>
+              <a:rPr lang="es-PE" sz="2800" dirty="0" smtClean="0">
+                <a:solidFill>
+                  <a:schemeClr val="tx1"/>
+                </a:solidFill>
+              </a:rPr>
+            </a:br>
+            <a:r>
+              <a:rPr lang="es-PE" sz="2800" dirty="0" smtClean="0">
+                <a:solidFill>
+                  <a:schemeClr val="tx1"/>
+                </a:solidFill>
+              </a:rPr>
+              <a:t>e</a:t>
+            </a:r>
+            <a:br>
+              <a:rPr lang="es-PE" sz="2800" dirty="0" smtClean="0">
+                <a:solidFill>
+                  <a:schemeClr val="tx1"/>
+                </a:solidFill>
+              </a:rPr>
+            </a:br>
+            <a:r>
+              <a:rPr lang="es-PE" sz="2800" dirty="0" smtClean="0">
+                <a:solidFill>
+                  <a:schemeClr val="tx1"/>
+                </a:solidFill>
+              </a:rPr>
+              <a:t>x</a:t>
+            </a:r>
+            <a:br>
+              <a:rPr lang="es-PE" sz="2800" dirty="0" smtClean="0">
+                <a:solidFill>
+                  <a:schemeClr val="tx1"/>
+                </a:solidFill>
+              </a:rPr>
+            </a:br>
+            <a:r>
+              <a:rPr lang="es-PE" sz="2800" dirty="0" smtClean="0">
+                <a:solidFill>
+                  <a:schemeClr val="tx1"/>
+                </a:solidFill>
+              </a:rPr>
+              <a:t>t </a:t>
+            </a:r>
+            <a:br>
+              <a:rPr lang="es-PE" sz="2800" dirty="0" smtClean="0">
+                <a:solidFill>
+                  <a:schemeClr val="tx1"/>
+                </a:solidFill>
+              </a:rPr>
+            </a:br>
+            <a:r>
+              <a:rPr lang="es-PE" sz="2800" dirty="0" smtClean="0">
+                <a:solidFill>
+                  <a:schemeClr val="tx1"/>
+                </a:solidFill>
+              </a:rPr>
+              <a:t>D</a:t>
+            </a:r>
+            <a:br>
+              <a:rPr lang="es-PE" sz="2800" dirty="0" smtClean="0">
+                <a:solidFill>
+                  <a:schemeClr val="tx1"/>
+                </a:solidFill>
+              </a:rPr>
+            </a:br>
+            <a:r>
+              <a:rPr lang="es-PE" sz="2800" dirty="0" smtClean="0">
+                <a:solidFill>
+                  <a:schemeClr val="tx1"/>
+                </a:solidFill>
+              </a:rPr>
+              <a:t>i</a:t>
+            </a:r>
+            <a:br>
+              <a:rPr lang="es-PE" sz="2800" dirty="0" smtClean="0">
+                <a:solidFill>
+                  <a:schemeClr val="tx1"/>
+                </a:solidFill>
+              </a:rPr>
+            </a:br>
+            <a:r>
+              <a:rPr lang="es-PE" sz="2800" dirty="0" smtClean="0">
+                <a:solidFill>
+                  <a:schemeClr val="tx1"/>
+                </a:solidFill>
+              </a:rPr>
+              <a:t>a</a:t>
+            </a:r>
+            <a:br>
+              <a:rPr lang="es-PE" sz="2800" dirty="0" smtClean="0">
+                <a:solidFill>
+                  <a:schemeClr val="tx1"/>
+                </a:solidFill>
+              </a:rPr>
+            </a:br>
+            <a:r>
+              <a:rPr lang="es-PE" sz="2800" dirty="0" smtClean="0">
+                <a:solidFill>
+                  <a:schemeClr val="tx1"/>
+                </a:solidFill>
+              </a:rPr>
+              <a:t>g</a:t>
+            </a:r>
+            <a:br>
+              <a:rPr lang="es-PE" sz="2800" dirty="0" smtClean="0">
+                <a:solidFill>
+                  <a:schemeClr val="tx1"/>
+                </a:solidFill>
+              </a:rPr>
+            </a:br>
+            <a:r>
+              <a:rPr lang="es-PE" sz="2800" dirty="0" smtClean="0">
+                <a:solidFill>
+                  <a:schemeClr val="tx1"/>
+                </a:solidFill>
+              </a:rPr>
+              <a:t>r</a:t>
+            </a:r>
+            <a:br>
+              <a:rPr lang="es-PE" sz="2800" dirty="0" smtClean="0">
+                <a:solidFill>
+                  <a:schemeClr val="tx1"/>
+                </a:solidFill>
+              </a:rPr>
+            </a:br>
+            <a:r>
+              <a:rPr lang="es-PE" sz="2800" dirty="0" smtClean="0">
+                <a:solidFill>
+                  <a:schemeClr val="tx1"/>
+                </a:solidFill>
+              </a:rPr>
+              <a:t>a</a:t>
+            </a:r>
+            <a:br>
+              <a:rPr lang="es-PE" sz="2800" dirty="0" smtClean="0">
+                <a:solidFill>
+                  <a:schemeClr val="tx1"/>
+                </a:solidFill>
+              </a:rPr>
+            </a:br>
+            <a:r>
+              <a:rPr lang="es-PE" sz="2800" dirty="0" smtClean="0">
+                <a:solidFill>
+                  <a:schemeClr val="tx1"/>
+                </a:solidFill>
+              </a:rPr>
+              <a:t>m</a:t>
+            </a:r>
+            <a:endParaRPr lang="es-PE" sz="2800" dirty="0">
+              <a:solidFill>
+                <a:schemeClr val="tx1"/>
+              </a:solidFill>
+            </a:endParaRPr>
           </a:p>
         </p:txBody>
       </p:sp>
     </p:spTree>
     <p:extLst>
       <p:ext uri="{BB962C8B-B14F-4D97-AF65-F5344CB8AC3E}">
-        <p14:creationId xmlns:p14="http://schemas.microsoft.com/office/powerpoint/2010/main" val="1067625185"/>
+        <p14:creationId xmlns:p14="http://schemas.microsoft.com/office/powerpoint/2010/main" val="2895467421"/>
+      </p:ext>
+    </p:extLst>
+  </p:cSld>
+  <p:clrMapOvr>
+    <a:masterClrMapping/>
+  </p:clrMapOvr>
+</p:sld>
+</file>
+
+<file path=ppt/slides/slide18.xml><?xml version="1.0" encoding="utf-8"?>
+<p:sld xmlns:a="http://schemas.openxmlformats.org/drawingml/2006/main" xmlns:r="http://schemas.openxmlformats.org/officeDocument/2006/relationships" xmlns:p="http://schemas.openxmlformats.org/presentationml/2006/main">
+  <p:cSld>
+    <p:spTree>
+      <p:nvGrpSpPr>
+        <p:cNvPr id="1" name=""/>
+        <p:cNvGrpSpPr/>
+        <p:nvPr/>
+      </p:nvGrpSpPr>
+      <p:grpSpPr>
+        <a:xfrm>
+          <a:off x="0" y="0"/>
+          <a:ext cx="0" cy="0"/>
+          <a:chOff x="0" y="0"/>
+          <a:chExt cx="0" cy="0"/>
+        </a:xfrm>
+      </p:grpSpPr>
+      <p:sp>
+        <p:nvSpPr>
+          <p:cNvPr id="2" name="Título 1"/>
+          <p:cNvSpPr>
+            <a:spLocks noGrp="1"/>
+          </p:cNvSpPr>
+          <p:nvPr>
+            <p:ph type="title"/>
+          </p:nvPr>
+        </p:nvSpPr>
+        <p:spPr>
+          <a:xfrm>
+            <a:off x="1154955" y="973668"/>
+            <a:ext cx="4485992" cy="706964"/>
+          </a:xfrm>
+        </p:spPr>
+        <p:txBody>
+          <a:bodyPr/>
+          <a:lstStyle/>
+          <a:p>
+            <a:r>
+              <a:rPr lang="es-PE" dirty="0">
+                <a:solidFill>
+                  <a:schemeClr val="bg1"/>
+                </a:solidFill>
+              </a:rPr>
+              <a:t>Web Style </a:t>
+            </a:r>
+            <a:r>
+              <a:rPr lang="es-PE" dirty="0" err="1">
+                <a:solidFill>
+                  <a:schemeClr val="bg1"/>
+                </a:solidFill>
+              </a:rPr>
+              <a:t>Guidelines</a:t>
+            </a:r>
+            <a:endParaRPr lang="es-PE" dirty="0">
+              <a:solidFill>
+                <a:schemeClr val="bg1"/>
+              </a:solidFill>
+            </a:endParaRPr>
+          </a:p>
+        </p:txBody>
+      </p:sp>
+      <p:sp>
+        <p:nvSpPr>
+          <p:cNvPr id="3" name="Marcador de contenido 2"/>
+          <p:cNvSpPr>
+            <a:spLocks noGrp="1"/>
+          </p:cNvSpPr>
+          <p:nvPr>
+            <p:ph idx="1"/>
+          </p:nvPr>
+        </p:nvSpPr>
+        <p:spPr/>
+        <p:txBody>
+          <a:bodyPr/>
+          <a:lstStyle/>
+          <a:p>
+            <a:endParaRPr lang="es-PE" dirty="0"/>
+          </a:p>
+        </p:txBody>
+      </p:sp>
+      <p:pic>
+        <p:nvPicPr>
+          <p:cNvPr id="5" name="Imagen 4"/>
+          <p:cNvPicPr/>
+          <p:nvPr/>
+        </p:nvPicPr>
+        <p:blipFill>
+          <a:blip r:embed="rId2">
+            <a:extLst>
+              <a:ext uri="{28A0092B-C50C-407E-A947-70E740481C1C}">
+                <a14:useLocalDpi xmlns:a14="http://schemas.microsoft.com/office/drawing/2010/main" val="0"/>
+              </a:ext>
+            </a:extLst>
+          </a:blip>
+          <a:stretch>
+            <a:fillRect/>
+          </a:stretch>
+        </p:blipFill>
+        <p:spPr>
+          <a:xfrm>
+            <a:off x="3671253" y="1680632"/>
+            <a:ext cx="6309360" cy="4431030"/>
+          </a:xfrm>
+          <a:prstGeom prst="rect">
+            <a:avLst/>
+          </a:prstGeom>
+        </p:spPr>
+      </p:pic>
+    </p:spTree>
+    <p:extLst>
+      <p:ext uri="{BB962C8B-B14F-4D97-AF65-F5344CB8AC3E}">
+        <p14:creationId xmlns:p14="http://schemas.microsoft.com/office/powerpoint/2010/main" val="3836051608"/>
+      </p:ext>
+    </p:extLst>
+  </p:cSld>
+  <p:clrMapOvr>
+    <a:masterClrMapping/>
+  </p:clrMapOvr>
+</p:sld>
+</file>
+
+<file path=ppt/slides/slide19.xml><?xml version="1.0" encoding="utf-8"?>
+<p:sld xmlns:a="http://schemas.openxmlformats.org/drawingml/2006/main" xmlns:r="http://schemas.openxmlformats.org/officeDocument/2006/relationships" xmlns:p="http://schemas.openxmlformats.org/presentationml/2006/main">
+  <p:cSld>
+    <p:spTree>
+      <p:nvGrpSpPr>
+        <p:cNvPr id="1" name=""/>
+        <p:cNvGrpSpPr/>
+        <p:nvPr/>
+      </p:nvGrpSpPr>
+      <p:grpSpPr>
+        <a:xfrm>
+          <a:off x="0" y="0"/>
+          <a:ext cx="0" cy="0"/>
+          <a:chOff x="0" y="0"/>
+          <a:chExt cx="0" cy="0"/>
+        </a:xfrm>
+      </p:grpSpPr>
+      <p:sp>
+        <p:nvSpPr>
+          <p:cNvPr id="2" name="Título 1"/>
+          <p:cNvSpPr>
+            <a:spLocks noGrp="1"/>
+          </p:cNvSpPr>
+          <p:nvPr>
+            <p:ph type="title"/>
+          </p:nvPr>
+        </p:nvSpPr>
+        <p:spPr>
+          <a:xfrm>
+            <a:off x="1154955" y="973668"/>
+            <a:ext cx="4485992" cy="706964"/>
+          </a:xfrm>
+        </p:spPr>
+        <p:txBody>
+          <a:bodyPr/>
+          <a:lstStyle/>
+          <a:p>
+            <a:r>
+              <a:rPr lang="es-PE" dirty="0" err="1">
+                <a:solidFill>
+                  <a:schemeClr val="bg1"/>
+                </a:solidFill>
+              </a:rPr>
+              <a:t>Responsive</a:t>
+            </a:r>
+            <a:r>
+              <a:rPr lang="es-PE" dirty="0">
+                <a:solidFill>
+                  <a:schemeClr val="bg1"/>
+                </a:solidFill>
+              </a:rPr>
+              <a:t> Web App </a:t>
+            </a:r>
+            <a:r>
+              <a:rPr lang="es-PE" dirty="0" err="1">
+                <a:solidFill>
+                  <a:schemeClr val="bg1"/>
+                </a:solidFill>
+              </a:rPr>
+              <a:t>Wireframes</a:t>
+            </a:r>
+            <a:endParaRPr lang="es-PE" dirty="0">
+              <a:solidFill>
+                <a:schemeClr val="bg1"/>
+              </a:solidFill>
+            </a:endParaRPr>
+          </a:p>
+        </p:txBody>
+      </p:sp>
+      <p:sp>
+        <p:nvSpPr>
+          <p:cNvPr id="3" name="Marcador de contenido 2"/>
+          <p:cNvSpPr>
+            <a:spLocks noGrp="1"/>
+          </p:cNvSpPr>
+          <p:nvPr>
+            <p:ph idx="1"/>
+          </p:nvPr>
+        </p:nvSpPr>
+        <p:spPr/>
+        <p:txBody>
+          <a:bodyPr/>
+          <a:lstStyle/>
+          <a:p>
+            <a:endParaRPr lang="es-PE" dirty="0"/>
+          </a:p>
+        </p:txBody>
+      </p:sp>
+      <p:pic>
+        <p:nvPicPr>
+          <p:cNvPr id="7" name="Imagen 6"/>
+          <p:cNvPicPr/>
+          <p:nvPr/>
+        </p:nvPicPr>
+        <p:blipFill>
+          <a:blip r:embed="rId2">
+            <a:extLst>
+              <a:ext uri="{28A0092B-C50C-407E-A947-70E740481C1C}">
+                <a14:useLocalDpi xmlns:a14="http://schemas.microsoft.com/office/drawing/2010/main" val="0"/>
+              </a:ext>
+            </a:extLst>
+          </a:blip>
+          <a:srcRect/>
+          <a:stretch>
+            <a:fillRect/>
+          </a:stretch>
+        </p:blipFill>
+        <p:spPr bwMode="auto">
+          <a:xfrm>
+            <a:off x="3022219" y="1988511"/>
+            <a:ext cx="7126333" cy="4618351"/>
+          </a:xfrm>
+          <a:prstGeom prst="rect">
+            <a:avLst/>
+          </a:prstGeom>
+          <a:noFill/>
+          <a:ln>
+            <a:noFill/>
+          </a:ln>
+        </p:spPr>
+      </p:pic>
+    </p:spTree>
+    <p:extLst>
+      <p:ext uri="{BB962C8B-B14F-4D97-AF65-F5344CB8AC3E}">
+        <p14:creationId xmlns:p14="http://schemas.microsoft.com/office/powerpoint/2010/main" val="2625325232"/>
       </p:ext>
     </p:extLst>
   </p:cSld>
@@ -13869,7 +14868,7 @@
           <a:lstStyle/>
           <a:p>
             <a:r>
-              <a:rPr lang="en-US" dirty="0">
+              <a:rPr lang="en-US" dirty="0" smtClean="0">
                 <a:solidFill>
                   <a:schemeClr val="bg1"/>
                 </a:solidFill>
@@ -13901,8 +14900,13 @@
           <a:p>
             <a:r>
               <a:rPr lang="es-PE" dirty="0"/>
-              <a:t>El proyecto inicio en una de las conversaciones habituales que uno mantenía donde se mencionó que en la empresa donde trabajaba la madre, el cual es una empresa dedicada a la venta de material y equipos médicos, de un integrante tenía problemas en cierta área. Luego de hablar un poco sobre dicha problemática, y analizando el potencial de dicho mercado surgió la idea de lanzar Astra, proyecto dedicado a agilizar la productividad y eficiencia de las diversas áreas del sector médico.</a:t>
-            </a:r>
+              <a:t>El proyecto inicio en una de las conversaciones habituales que uno mantenía donde se mencionó que en la empresa donde trabajaba la madre, el cual es una empresa dedicada a la venta de material y equipos médicos, de un integrante tenía problemas en cierta área. Luego de hablar un poco sobre dicha problemática, y analizando el potencial de dicho mercado surgió la idea de lanzar Astra, proyecto dedicado a agilizar la productividad y eficiencia de las diversas áreas del sector médico</a:t>
+            </a:r>
+            <a:r>
+              <a:rPr lang="es-PE" dirty="0" smtClean="0"/>
+              <a:t>.</a:t>
+            </a:r>
+            <a:endParaRPr lang="es-PE" dirty="0"/>
           </a:p>
         </p:txBody>
       </p:sp>
@@ -13910,6 +14914,1052 @@
     <p:extLst>
       <p:ext uri="{BB962C8B-B14F-4D97-AF65-F5344CB8AC3E}">
         <p14:creationId xmlns:p14="http://schemas.microsoft.com/office/powerpoint/2010/main" val="370347092"/>
+      </p:ext>
+    </p:extLst>
+  </p:cSld>
+  <p:clrMapOvr>
+    <a:masterClrMapping/>
+  </p:clrMapOvr>
+</p:sld>
+</file>
+
+<file path=ppt/slides/slide20.xml><?xml version="1.0" encoding="utf-8"?>
+<p:sld xmlns:a="http://schemas.openxmlformats.org/drawingml/2006/main" xmlns:r="http://schemas.openxmlformats.org/officeDocument/2006/relationships" xmlns:p="http://schemas.openxmlformats.org/presentationml/2006/main">
+  <p:cSld>
+    <p:spTree>
+      <p:nvGrpSpPr>
+        <p:cNvPr id="1" name=""/>
+        <p:cNvGrpSpPr/>
+        <p:nvPr/>
+      </p:nvGrpSpPr>
+      <p:grpSpPr>
+        <a:xfrm>
+          <a:off x="0" y="0"/>
+          <a:ext cx="0" cy="0"/>
+          <a:chOff x="0" y="0"/>
+          <a:chExt cx="0" cy="0"/>
+        </a:xfrm>
+      </p:grpSpPr>
+      <p:sp>
+        <p:nvSpPr>
+          <p:cNvPr id="2" name="Título 1"/>
+          <p:cNvSpPr>
+            <a:spLocks noGrp="1"/>
+          </p:cNvSpPr>
+          <p:nvPr>
+            <p:ph type="title"/>
+          </p:nvPr>
+        </p:nvSpPr>
+        <p:spPr>
+          <a:xfrm>
+            <a:off x="1154955" y="973668"/>
+            <a:ext cx="4485992" cy="706964"/>
+          </a:xfrm>
+        </p:spPr>
+        <p:txBody>
+          <a:bodyPr/>
+          <a:lstStyle/>
+          <a:p>
+            <a:r>
+              <a:rPr lang="es-PE" dirty="0" err="1">
+                <a:solidFill>
+                  <a:schemeClr val="bg1"/>
+                </a:solidFill>
+              </a:rPr>
+              <a:t>Responsive</a:t>
+            </a:r>
+            <a:r>
+              <a:rPr lang="es-PE" dirty="0">
+                <a:solidFill>
+                  <a:schemeClr val="bg1"/>
+                </a:solidFill>
+              </a:rPr>
+              <a:t> Web App </a:t>
+            </a:r>
+            <a:r>
+              <a:rPr lang="es-PE" dirty="0" err="1">
+                <a:solidFill>
+                  <a:schemeClr val="bg1"/>
+                </a:solidFill>
+              </a:rPr>
+              <a:t>Wireframes</a:t>
+            </a:r>
+            <a:endParaRPr lang="es-PE" dirty="0">
+              <a:solidFill>
+                <a:schemeClr val="bg1"/>
+              </a:solidFill>
+            </a:endParaRPr>
+          </a:p>
+        </p:txBody>
+      </p:sp>
+      <p:sp>
+        <p:nvSpPr>
+          <p:cNvPr id="3" name="Marcador de contenido 2"/>
+          <p:cNvSpPr>
+            <a:spLocks noGrp="1"/>
+          </p:cNvSpPr>
+          <p:nvPr>
+            <p:ph idx="1"/>
+          </p:nvPr>
+        </p:nvSpPr>
+        <p:spPr/>
+        <p:txBody>
+          <a:bodyPr/>
+          <a:lstStyle/>
+          <a:p>
+            <a:endParaRPr lang="es-PE" dirty="0"/>
+          </a:p>
+        </p:txBody>
+      </p:sp>
+      <p:pic>
+        <p:nvPicPr>
+          <p:cNvPr id="6" name="Imagen 5"/>
+          <p:cNvPicPr/>
+          <p:nvPr/>
+        </p:nvPicPr>
+        <p:blipFill>
+          <a:blip r:embed="rId2">
+            <a:extLst>
+              <a:ext uri="{28A0092B-C50C-407E-A947-70E740481C1C}">
+                <a14:useLocalDpi xmlns:a14="http://schemas.microsoft.com/office/drawing/2010/main" val="0"/>
+              </a:ext>
+            </a:extLst>
+          </a:blip>
+          <a:srcRect/>
+          <a:stretch>
+            <a:fillRect/>
+          </a:stretch>
+        </p:blipFill>
+        <p:spPr bwMode="auto">
+          <a:xfrm>
+            <a:off x="2952414" y="2047473"/>
+            <a:ext cx="6467475" cy="4076700"/>
+          </a:xfrm>
+          <a:prstGeom prst="rect">
+            <a:avLst/>
+          </a:prstGeom>
+          <a:noFill/>
+          <a:ln>
+            <a:noFill/>
+          </a:ln>
+        </p:spPr>
+      </p:pic>
+    </p:spTree>
+    <p:extLst>
+      <p:ext uri="{BB962C8B-B14F-4D97-AF65-F5344CB8AC3E}">
+        <p14:creationId xmlns:p14="http://schemas.microsoft.com/office/powerpoint/2010/main" val="3088686164"/>
+      </p:ext>
+    </p:extLst>
+  </p:cSld>
+  <p:clrMapOvr>
+    <a:masterClrMapping/>
+  </p:clrMapOvr>
+</p:sld>
+</file>
+
+<file path=ppt/slides/slide21.xml><?xml version="1.0" encoding="utf-8"?>
+<p:sld xmlns:a="http://schemas.openxmlformats.org/drawingml/2006/main" xmlns:r="http://schemas.openxmlformats.org/officeDocument/2006/relationships" xmlns:p="http://schemas.openxmlformats.org/presentationml/2006/main">
+  <p:cSld>
+    <p:spTree>
+      <p:nvGrpSpPr>
+        <p:cNvPr id="1" name=""/>
+        <p:cNvGrpSpPr/>
+        <p:nvPr/>
+      </p:nvGrpSpPr>
+      <p:grpSpPr>
+        <a:xfrm>
+          <a:off x="0" y="0"/>
+          <a:ext cx="0" cy="0"/>
+          <a:chOff x="0" y="0"/>
+          <a:chExt cx="0" cy="0"/>
+        </a:xfrm>
+      </p:grpSpPr>
+      <p:sp>
+        <p:nvSpPr>
+          <p:cNvPr id="2" name="Título 1"/>
+          <p:cNvSpPr>
+            <a:spLocks noGrp="1"/>
+          </p:cNvSpPr>
+          <p:nvPr>
+            <p:ph type="title"/>
+          </p:nvPr>
+        </p:nvSpPr>
+        <p:spPr>
+          <a:xfrm>
+            <a:off x="1154955" y="973668"/>
+            <a:ext cx="4485992" cy="706964"/>
+          </a:xfrm>
+        </p:spPr>
+        <p:txBody>
+          <a:bodyPr/>
+          <a:lstStyle/>
+          <a:p>
+            <a:r>
+              <a:rPr lang="es-PE" dirty="0" err="1" smtClean="0">
+                <a:solidFill>
+                  <a:schemeClr val="bg1"/>
+                </a:solidFill>
+              </a:rPr>
+              <a:t>Landing</a:t>
+            </a:r>
+            <a:r>
+              <a:rPr lang="es-PE" dirty="0" smtClean="0">
+                <a:solidFill>
+                  <a:schemeClr val="bg1"/>
+                </a:solidFill>
+              </a:rPr>
+              <a:t> Page</a:t>
+            </a:r>
+            <a:endParaRPr lang="es-PE" dirty="0">
+              <a:solidFill>
+                <a:schemeClr val="bg1"/>
+              </a:solidFill>
+            </a:endParaRPr>
+          </a:p>
+        </p:txBody>
+      </p:sp>
+      <p:sp>
+        <p:nvSpPr>
+          <p:cNvPr id="3" name="Marcador de contenido 2"/>
+          <p:cNvSpPr>
+            <a:spLocks noGrp="1"/>
+          </p:cNvSpPr>
+          <p:nvPr>
+            <p:ph idx="1"/>
+          </p:nvPr>
+        </p:nvSpPr>
+        <p:spPr/>
+        <p:txBody>
+          <a:bodyPr/>
+          <a:lstStyle/>
+          <a:p>
+            <a:endParaRPr lang="es-PE" dirty="0"/>
+          </a:p>
+        </p:txBody>
+      </p:sp>
+      <p:pic>
+        <p:nvPicPr>
+          <p:cNvPr id="5" name="Imagen 4"/>
+          <p:cNvPicPr/>
+          <p:nvPr/>
+        </p:nvPicPr>
+        <p:blipFill rotWithShape="1">
+          <a:blip r:embed="rId2">
+            <a:extLst>
+              <a:ext uri="{28A0092B-C50C-407E-A947-70E740481C1C}">
+                <a14:useLocalDpi xmlns:a14="http://schemas.microsoft.com/office/drawing/2010/main" val="0"/>
+              </a:ext>
+            </a:extLst>
+          </a:blip>
+          <a:srcRect t="13889" b="6731"/>
+          <a:stretch/>
+        </p:blipFill>
+        <p:spPr bwMode="auto">
+          <a:xfrm>
+            <a:off x="2263959" y="2603500"/>
+            <a:ext cx="7716654" cy="3370499"/>
+          </a:xfrm>
+          <a:prstGeom prst="rect">
+            <a:avLst/>
+          </a:prstGeom>
+          <a:ln>
+            <a:noFill/>
+          </a:ln>
+          <a:extLst>
+            <a:ext uri="{53640926-AAD7-44D8-BBD7-CCE9431645EC}">
+              <a14:shadowObscured xmlns:a14="http://schemas.microsoft.com/office/drawing/2010/main"/>
+            </a:ext>
+          </a:extLst>
+        </p:spPr>
+      </p:pic>
+    </p:spTree>
+    <p:extLst>
+      <p:ext uri="{BB962C8B-B14F-4D97-AF65-F5344CB8AC3E}">
+        <p14:creationId xmlns:p14="http://schemas.microsoft.com/office/powerpoint/2010/main" val="4096196712"/>
+      </p:ext>
+    </p:extLst>
+  </p:cSld>
+  <p:clrMapOvr>
+    <a:masterClrMapping/>
+  </p:clrMapOvr>
+</p:sld>
+</file>
+
+<file path=ppt/slides/slide22.xml><?xml version="1.0" encoding="utf-8"?>
+<p:sld xmlns:a="http://schemas.openxmlformats.org/drawingml/2006/main" xmlns:r="http://schemas.openxmlformats.org/officeDocument/2006/relationships" xmlns:p="http://schemas.openxmlformats.org/presentationml/2006/main">
+  <p:cSld>
+    <p:spTree>
+      <p:nvGrpSpPr>
+        <p:cNvPr id="1" name=""/>
+        <p:cNvGrpSpPr/>
+        <p:nvPr/>
+      </p:nvGrpSpPr>
+      <p:grpSpPr>
+        <a:xfrm>
+          <a:off x="0" y="0"/>
+          <a:ext cx="0" cy="0"/>
+          <a:chOff x="0" y="0"/>
+          <a:chExt cx="0" cy="0"/>
+        </a:xfrm>
+      </p:grpSpPr>
+      <p:sp>
+        <p:nvSpPr>
+          <p:cNvPr id="2" name="Título 1"/>
+          <p:cNvSpPr>
+            <a:spLocks noGrp="1"/>
+          </p:cNvSpPr>
+          <p:nvPr>
+            <p:ph type="title"/>
+          </p:nvPr>
+        </p:nvSpPr>
+        <p:spPr>
+          <a:xfrm>
+            <a:off x="1154955" y="973668"/>
+            <a:ext cx="4485992" cy="706964"/>
+          </a:xfrm>
+        </p:spPr>
+        <p:txBody>
+          <a:bodyPr/>
+          <a:lstStyle/>
+          <a:p>
+            <a:r>
+              <a:rPr lang="es-PE" dirty="0" err="1" smtClean="0">
+                <a:solidFill>
+                  <a:schemeClr val="bg1"/>
+                </a:solidFill>
+              </a:rPr>
+              <a:t>Landing</a:t>
+            </a:r>
+            <a:r>
+              <a:rPr lang="es-PE" dirty="0" smtClean="0">
+                <a:solidFill>
+                  <a:schemeClr val="bg1"/>
+                </a:solidFill>
+              </a:rPr>
+              <a:t> Page</a:t>
+            </a:r>
+            <a:endParaRPr lang="es-PE" dirty="0">
+              <a:solidFill>
+                <a:schemeClr val="bg1"/>
+              </a:solidFill>
+            </a:endParaRPr>
+          </a:p>
+        </p:txBody>
+      </p:sp>
+      <p:sp>
+        <p:nvSpPr>
+          <p:cNvPr id="3" name="Marcador de contenido 2"/>
+          <p:cNvSpPr>
+            <a:spLocks noGrp="1"/>
+          </p:cNvSpPr>
+          <p:nvPr>
+            <p:ph idx="1"/>
+          </p:nvPr>
+        </p:nvSpPr>
+        <p:spPr/>
+        <p:txBody>
+          <a:bodyPr/>
+          <a:lstStyle/>
+          <a:p>
+            <a:endParaRPr lang="es-PE" dirty="0"/>
+          </a:p>
+        </p:txBody>
+      </p:sp>
+      <p:pic>
+        <p:nvPicPr>
+          <p:cNvPr id="6" name="Imagen 5"/>
+          <p:cNvPicPr/>
+          <p:nvPr/>
+        </p:nvPicPr>
+        <p:blipFill rotWithShape="1">
+          <a:blip r:embed="rId2">
+            <a:extLst>
+              <a:ext uri="{28A0092B-C50C-407E-A947-70E740481C1C}">
+                <a14:useLocalDpi xmlns:a14="http://schemas.microsoft.com/office/drawing/2010/main" val="0"/>
+              </a:ext>
+            </a:extLst>
+          </a:blip>
+          <a:srcRect t="14198" b="6690"/>
+          <a:stretch/>
+        </p:blipFill>
+        <p:spPr bwMode="auto">
+          <a:xfrm>
+            <a:off x="1618882" y="1949466"/>
+            <a:ext cx="8877399" cy="3768753"/>
+          </a:xfrm>
+          <a:prstGeom prst="rect">
+            <a:avLst/>
+          </a:prstGeom>
+          <a:ln>
+            <a:noFill/>
+          </a:ln>
+          <a:extLst>
+            <a:ext uri="{53640926-AAD7-44D8-BBD7-CCE9431645EC}">
+              <a14:shadowObscured xmlns:a14="http://schemas.microsoft.com/office/drawing/2010/main"/>
+            </a:ext>
+          </a:extLst>
+        </p:spPr>
+      </p:pic>
+    </p:spTree>
+    <p:extLst>
+      <p:ext uri="{BB962C8B-B14F-4D97-AF65-F5344CB8AC3E}">
+        <p14:creationId xmlns:p14="http://schemas.microsoft.com/office/powerpoint/2010/main" val="2100238634"/>
+      </p:ext>
+    </p:extLst>
+  </p:cSld>
+  <p:clrMapOvr>
+    <a:masterClrMapping/>
+  </p:clrMapOvr>
+</p:sld>
+</file>
+
+<file path=ppt/slides/slide23.xml><?xml version="1.0" encoding="utf-8"?>
+<p:sld xmlns:a="http://schemas.openxmlformats.org/drawingml/2006/main" xmlns:r="http://schemas.openxmlformats.org/officeDocument/2006/relationships" xmlns:p="http://schemas.openxmlformats.org/presentationml/2006/main">
+  <p:cSld>
+    <p:spTree>
+      <p:nvGrpSpPr>
+        <p:cNvPr id="1" name=""/>
+        <p:cNvGrpSpPr/>
+        <p:nvPr/>
+      </p:nvGrpSpPr>
+      <p:grpSpPr>
+        <a:xfrm>
+          <a:off x="0" y="0"/>
+          <a:ext cx="0" cy="0"/>
+          <a:chOff x="0" y="0"/>
+          <a:chExt cx="0" cy="0"/>
+        </a:xfrm>
+      </p:grpSpPr>
+      <p:sp>
+        <p:nvSpPr>
+          <p:cNvPr id="2" name="Título 1"/>
+          <p:cNvSpPr>
+            <a:spLocks noGrp="1"/>
+          </p:cNvSpPr>
+          <p:nvPr>
+            <p:ph type="title"/>
+          </p:nvPr>
+        </p:nvSpPr>
+        <p:spPr>
+          <a:xfrm>
+            <a:off x="1154954" y="1099066"/>
+            <a:ext cx="8761413" cy="706964"/>
+          </a:xfrm>
+        </p:spPr>
+        <p:txBody>
+          <a:bodyPr/>
+          <a:lstStyle/>
+          <a:p>
+            <a:r>
+              <a:rPr lang="es-PE" dirty="0" err="1">
+                <a:solidFill>
+                  <a:schemeClr val="bg1"/>
+                </a:solidFill>
+              </a:rPr>
+              <a:t>Pattern</a:t>
+            </a:r>
+            <a:r>
+              <a:rPr lang="es-PE" dirty="0">
+                <a:solidFill>
+                  <a:schemeClr val="bg1"/>
+                </a:solidFill>
+              </a:rPr>
+              <a:t> </a:t>
+            </a:r>
+            <a:r>
+              <a:rPr lang="es-PE" dirty="0" err="1">
+                <a:solidFill>
+                  <a:schemeClr val="bg1"/>
+                </a:solidFill>
+              </a:rPr>
+              <a:t>Based</a:t>
+            </a:r>
+            <a:r>
+              <a:rPr lang="es-PE" dirty="0">
+                <a:solidFill>
+                  <a:schemeClr val="bg1"/>
+                </a:solidFill>
+              </a:rPr>
+              <a:t> Web </a:t>
+            </a:r>
+            <a:r>
+              <a:rPr lang="es-PE" dirty="0" err="1">
+                <a:solidFill>
+                  <a:schemeClr val="bg1"/>
+                </a:solidFill>
+              </a:rPr>
+              <a:t>Application</a:t>
+            </a:r>
+            <a:r>
+              <a:rPr lang="es-PE" dirty="0"/>
+              <a:t/>
+            </a:r>
+            <a:br>
+              <a:rPr lang="es-PE" dirty="0"/>
+            </a:br>
+            <a:endParaRPr lang="es-PE" dirty="0"/>
+          </a:p>
+        </p:txBody>
+      </p:sp>
+      <p:sp>
+        <p:nvSpPr>
+          <p:cNvPr id="3" name="Marcador de contenido 2"/>
+          <p:cNvSpPr>
+            <a:spLocks noGrp="1"/>
+          </p:cNvSpPr>
+          <p:nvPr>
+            <p:ph idx="1"/>
+          </p:nvPr>
+        </p:nvSpPr>
+        <p:spPr/>
+        <p:txBody>
+          <a:bodyPr/>
+          <a:lstStyle/>
+          <a:p>
+            <a:endParaRPr lang="es-PE" dirty="0"/>
+          </a:p>
+        </p:txBody>
+      </p:sp>
+      <p:pic>
+        <p:nvPicPr>
+          <p:cNvPr id="4" name="Imagen 3"/>
+          <p:cNvPicPr/>
+          <p:nvPr/>
+        </p:nvPicPr>
+        <p:blipFill>
+          <a:blip r:embed="rId2" cstate="print">
+            <a:extLst>
+              <a:ext uri="{28A0092B-C50C-407E-A947-70E740481C1C}">
+                <a14:useLocalDpi xmlns:a14="http://schemas.microsoft.com/office/drawing/2010/main" val="0"/>
+              </a:ext>
+            </a:extLst>
+          </a:blip>
+          <a:srcRect/>
+          <a:stretch>
+            <a:fillRect/>
+          </a:stretch>
+        </p:blipFill>
+        <p:spPr bwMode="auto">
+          <a:xfrm>
+            <a:off x="1476925" y="1979534"/>
+            <a:ext cx="8825659" cy="4664231"/>
+          </a:xfrm>
+          <a:prstGeom prst="rect">
+            <a:avLst/>
+          </a:prstGeom>
+          <a:noFill/>
+          <a:ln>
+            <a:noFill/>
+          </a:ln>
+        </p:spPr>
+      </p:pic>
+      <p:sp>
+        <p:nvSpPr>
+          <p:cNvPr id="5" name="Rectangle 2"/>
+          <p:cNvSpPr>
+            <a:spLocks noChangeArrowheads="1"/>
+          </p:cNvSpPr>
+          <p:nvPr/>
+        </p:nvSpPr>
+        <p:spPr bwMode="auto">
+          <a:xfrm>
+            <a:off x="0" y="0"/>
+            <a:ext cx="12192000" cy="457200"/>
+          </a:xfrm>
+          <a:prstGeom prst="rect">
+            <a:avLst/>
+          </a:prstGeom>
+          <a:noFill/>
+          <a:ln>
+            <a:noFill/>
+          </a:ln>
+          <a:effectLst/>
+          <a:extLst>
+            <a:ext uri="{909E8E84-426E-40DD-AFC4-6F175D3DCCD1}">
+              <a14:hiddenFill xmlns:a14="http://schemas.microsoft.com/office/drawing/2010/main">
+                <a:solidFill>
+                  <a:schemeClr val="accent1"/>
+                </a:solidFill>
+              </a14:hiddenFill>
+            </a:ext>
+            <a:ext uri="{91240B29-F687-4F45-9708-019B960494DF}">
+              <a14:hiddenLine xmlns:a14="http://schemas.microsoft.com/office/drawing/2010/main" w="9525">
+                <a:solidFill>
+                  <a:schemeClr val="tx1"/>
+                </a:solidFill>
+                <a:miter lim="800000"/>
+                <a:headEnd/>
+                <a:tailEnd/>
+              </a14:hiddenLine>
+            </a:ext>
+            <a:ext uri="{AF507438-7753-43E0-B8FC-AC1667EBCBE1}">
+              <a14:hiddenEffects xmlns:a14="http://schemas.microsoft.com/office/drawing/2010/main">
+                <a:effectLst>
+                  <a:outerShdw dist="35921" dir="2700000" algn="ctr" rotWithShape="0">
+                    <a:schemeClr val="bg2"/>
+                  </a:outerShdw>
+                </a:effectLst>
+              </a14:hiddenEffects>
+            </a:ext>
+          </a:extLst>
+        </p:spPr>
+        <p:txBody>
+          <a:bodyPr vert="horz" wrap="none" lIns="91440" tIns="45720" rIns="91440" bIns="152352" numCol="1" anchor="ctr" anchorCtr="0" compatLnSpc="1">
+            <a:prstTxWarp prst="textNoShape">
+              <a:avLst/>
+            </a:prstTxWarp>
+            <a:spAutoFit/>
+          </a:bodyPr>
+          <a:lstStyle/>
+          <a:p>
+            <a:endParaRPr lang="es-PE"/>
+          </a:p>
+        </p:txBody>
+      </p:sp>
+    </p:spTree>
+    <p:extLst>
+      <p:ext uri="{BB962C8B-B14F-4D97-AF65-F5344CB8AC3E}">
+        <p14:creationId xmlns:p14="http://schemas.microsoft.com/office/powerpoint/2010/main" val="3022037875"/>
+      </p:ext>
+    </p:extLst>
+  </p:cSld>
+  <p:clrMapOvr>
+    <a:masterClrMapping/>
+  </p:clrMapOvr>
+</p:sld>
+</file>
+
+<file path=ppt/slides/slide24.xml><?xml version="1.0" encoding="utf-8"?>
+<p:sld xmlns:a="http://schemas.openxmlformats.org/drawingml/2006/main" xmlns:r="http://schemas.openxmlformats.org/officeDocument/2006/relationships" xmlns:p="http://schemas.openxmlformats.org/presentationml/2006/main">
+  <p:cSld>
+    <p:spTree>
+      <p:nvGrpSpPr>
+        <p:cNvPr id="1" name=""/>
+        <p:cNvGrpSpPr/>
+        <p:nvPr/>
+      </p:nvGrpSpPr>
+      <p:grpSpPr>
+        <a:xfrm>
+          <a:off x="0" y="0"/>
+          <a:ext cx="0" cy="0"/>
+          <a:chOff x="0" y="0"/>
+          <a:chExt cx="0" cy="0"/>
+        </a:xfrm>
+      </p:grpSpPr>
+      <p:sp>
+        <p:nvSpPr>
+          <p:cNvPr id="2" name="Título 1"/>
+          <p:cNvSpPr>
+            <a:spLocks noGrp="1"/>
+          </p:cNvSpPr>
+          <p:nvPr>
+            <p:ph type="title"/>
+          </p:nvPr>
+        </p:nvSpPr>
+        <p:spPr>
+          <a:xfrm>
+            <a:off x="1154954" y="1099066"/>
+            <a:ext cx="8761413" cy="706964"/>
+          </a:xfrm>
+        </p:spPr>
+        <p:txBody>
+          <a:bodyPr/>
+          <a:lstStyle/>
+          <a:p>
+            <a:r>
+              <a:rPr lang="es-PE" dirty="0" err="1">
+                <a:solidFill>
+                  <a:schemeClr val="bg1"/>
+                </a:solidFill>
+              </a:rPr>
+              <a:t>Pattern</a:t>
+            </a:r>
+            <a:r>
+              <a:rPr lang="es-PE" dirty="0">
+                <a:solidFill>
+                  <a:schemeClr val="bg1"/>
+                </a:solidFill>
+              </a:rPr>
+              <a:t> </a:t>
+            </a:r>
+            <a:r>
+              <a:rPr lang="es-PE" dirty="0" err="1">
+                <a:solidFill>
+                  <a:schemeClr val="bg1"/>
+                </a:solidFill>
+              </a:rPr>
+              <a:t>Based</a:t>
+            </a:r>
+            <a:r>
+              <a:rPr lang="es-PE" dirty="0">
+                <a:solidFill>
+                  <a:schemeClr val="bg1"/>
+                </a:solidFill>
+              </a:rPr>
+              <a:t> Web </a:t>
+            </a:r>
+            <a:r>
+              <a:rPr lang="es-PE" dirty="0" err="1">
+                <a:solidFill>
+                  <a:schemeClr val="bg1"/>
+                </a:solidFill>
+              </a:rPr>
+              <a:t>Application</a:t>
+            </a:r>
+            <a:r>
+              <a:rPr lang="es-PE" dirty="0"/>
+              <a:t/>
+            </a:r>
+            <a:br>
+              <a:rPr lang="es-PE" dirty="0"/>
+            </a:br>
+            <a:endParaRPr lang="es-PE" dirty="0"/>
+          </a:p>
+        </p:txBody>
+      </p:sp>
+      <p:sp>
+        <p:nvSpPr>
+          <p:cNvPr id="3" name="Marcador de contenido 2"/>
+          <p:cNvSpPr>
+            <a:spLocks noGrp="1"/>
+          </p:cNvSpPr>
+          <p:nvPr>
+            <p:ph idx="1"/>
+          </p:nvPr>
+        </p:nvSpPr>
+        <p:spPr/>
+        <p:txBody>
+          <a:bodyPr/>
+          <a:lstStyle/>
+          <a:p>
+            <a:endParaRPr lang="es-PE" dirty="0"/>
+          </a:p>
+        </p:txBody>
+      </p:sp>
+      <p:sp>
+        <p:nvSpPr>
+          <p:cNvPr id="5" name="Rectangle 2"/>
+          <p:cNvSpPr>
+            <a:spLocks noChangeArrowheads="1"/>
+          </p:cNvSpPr>
+          <p:nvPr/>
+        </p:nvSpPr>
+        <p:spPr bwMode="auto">
+          <a:xfrm>
+            <a:off x="0" y="0"/>
+            <a:ext cx="12192000" cy="457200"/>
+          </a:xfrm>
+          <a:prstGeom prst="rect">
+            <a:avLst/>
+          </a:prstGeom>
+          <a:noFill/>
+          <a:ln>
+            <a:noFill/>
+          </a:ln>
+          <a:effectLst/>
+          <a:extLst>
+            <a:ext uri="{909E8E84-426E-40DD-AFC4-6F175D3DCCD1}">
+              <a14:hiddenFill xmlns:a14="http://schemas.microsoft.com/office/drawing/2010/main">
+                <a:solidFill>
+                  <a:schemeClr val="accent1"/>
+                </a:solidFill>
+              </a14:hiddenFill>
+            </a:ext>
+            <a:ext uri="{91240B29-F687-4F45-9708-019B960494DF}">
+              <a14:hiddenLine xmlns:a14="http://schemas.microsoft.com/office/drawing/2010/main" w="9525">
+                <a:solidFill>
+                  <a:schemeClr val="tx1"/>
+                </a:solidFill>
+                <a:miter lim="800000"/>
+                <a:headEnd/>
+                <a:tailEnd/>
+              </a14:hiddenLine>
+            </a:ext>
+            <a:ext uri="{AF507438-7753-43E0-B8FC-AC1667EBCBE1}">
+              <a14:hiddenEffects xmlns:a14="http://schemas.microsoft.com/office/drawing/2010/main">
+                <a:effectLst>
+                  <a:outerShdw dist="35921" dir="2700000" algn="ctr" rotWithShape="0">
+                    <a:schemeClr val="bg2"/>
+                  </a:outerShdw>
+                </a:effectLst>
+              </a14:hiddenEffects>
+            </a:ext>
+          </a:extLst>
+        </p:spPr>
+        <p:txBody>
+          <a:bodyPr vert="horz" wrap="none" lIns="91440" tIns="45720" rIns="91440" bIns="152352" numCol="1" anchor="ctr" anchorCtr="0" compatLnSpc="1">
+            <a:prstTxWarp prst="textNoShape">
+              <a:avLst/>
+            </a:prstTxWarp>
+            <a:spAutoFit/>
+          </a:bodyPr>
+          <a:lstStyle/>
+          <a:p>
+            <a:endParaRPr lang="es-PE"/>
+          </a:p>
+        </p:txBody>
+      </p:sp>
+      <p:pic>
+        <p:nvPicPr>
+          <p:cNvPr id="6" name="Imagen 5"/>
+          <p:cNvPicPr/>
+          <p:nvPr/>
+        </p:nvPicPr>
+        <p:blipFill>
+          <a:blip r:embed="rId2" cstate="print">
+            <a:extLst>
+              <a:ext uri="{28A0092B-C50C-407E-A947-70E740481C1C}">
+                <a14:useLocalDpi xmlns:a14="http://schemas.microsoft.com/office/drawing/2010/main" val="0"/>
+              </a:ext>
+            </a:extLst>
+          </a:blip>
+          <a:srcRect/>
+          <a:stretch>
+            <a:fillRect/>
+          </a:stretch>
+        </p:blipFill>
+        <p:spPr bwMode="auto">
+          <a:xfrm>
+            <a:off x="2040207" y="2063607"/>
+            <a:ext cx="8111586" cy="4213770"/>
+          </a:xfrm>
+          <a:prstGeom prst="rect">
+            <a:avLst/>
+          </a:prstGeom>
+          <a:noFill/>
+          <a:ln>
+            <a:noFill/>
+          </a:ln>
+        </p:spPr>
+      </p:pic>
+    </p:spTree>
+    <p:extLst>
+      <p:ext uri="{BB962C8B-B14F-4D97-AF65-F5344CB8AC3E}">
+        <p14:creationId xmlns:p14="http://schemas.microsoft.com/office/powerpoint/2010/main" val="216230311"/>
+      </p:ext>
+    </p:extLst>
+  </p:cSld>
+  <p:clrMapOvr>
+    <a:masterClrMapping/>
+  </p:clrMapOvr>
+</p:sld>
+</file>
+
+<file path=ppt/slides/slide25.xml><?xml version="1.0" encoding="utf-8"?>
+<p:sld xmlns:a="http://schemas.openxmlformats.org/drawingml/2006/main" xmlns:r="http://schemas.openxmlformats.org/officeDocument/2006/relationships" xmlns:p="http://schemas.openxmlformats.org/presentationml/2006/main">
+  <p:cSld>
+    <p:spTree>
+      <p:nvGrpSpPr>
+        <p:cNvPr id="1" name=""/>
+        <p:cNvGrpSpPr/>
+        <p:nvPr/>
+      </p:nvGrpSpPr>
+      <p:grpSpPr>
+        <a:xfrm>
+          <a:off x="0" y="0"/>
+          <a:ext cx="0" cy="0"/>
+          <a:chOff x="0" y="0"/>
+          <a:chExt cx="0" cy="0"/>
+        </a:xfrm>
+      </p:grpSpPr>
+      <p:sp>
+        <p:nvSpPr>
+          <p:cNvPr id="2" name="Título 1"/>
+          <p:cNvSpPr>
+            <a:spLocks noGrp="1"/>
+          </p:cNvSpPr>
+          <p:nvPr>
+            <p:ph type="title"/>
+          </p:nvPr>
+        </p:nvSpPr>
+        <p:spPr/>
+        <p:txBody>
+          <a:bodyPr/>
+          <a:lstStyle/>
+          <a:p>
+            <a:r>
+              <a:rPr lang="es-PE" dirty="0" smtClean="0">
+                <a:solidFill>
+                  <a:schemeClr val="bg1"/>
+                </a:solidFill>
+              </a:rPr>
+              <a:t>Cloud </a:t>
+            </a:r>
+            <a:r>
+              <a:rPr lang="es-PE" dirty="0" err="1" smtClean="0">
+                <a:solidFill>
+                  <a:schemeClr val="bg1"/>
+                </a:solidFill>
+              </a:rPr>
+              <a:t>Service</a:t>
+            </a:r>
+            <a:endParaRPr lang="es-PE" dirty="0">
+              <a:solidFill>
+                <a:schemeClr val="bg1"/>
+              </a:solidFill>
+            </a:endParaRPr>
+          </a:p>
+        </p:txBody>
+      </p:sp>
+      <p:sp>
+        <p:nvSpPr>
+          <p:cNvPr id="3" name="Marcador de contenido 2"/>
+          <p:cNvSpPr>
+            <a:spLocks noGrp="1"/>
+          </p:cNvSpPr>
+          <p:nvPr>
+            <p:ph idx="1"/>
+          </p:nvPr>
+        </p:nvSpPr>
+        <p:spPr/>
+        <p:txBody>
+          <a:bodyPr/>
+          <a:lstStyle/>
+          <a:p>
+            <a:endParaRPr lang="es-PE" dirty="0"/>
+          </a:p>
+        </p:txBody>
+      </p:sp>
+      <p:pic>
+        <p:nvPicPr>
+          <p:cNvPr id="4" name="Imagen 3"/>
+          <p:cNvPicPr>
+            <a:picLocks noChangeAspect="1"/>
+          </p:cNvPicPr>
+          <p:nvPr/>
+        </p:nvPicPr>
+        <p:blipFill>
+          <a:blip r:embed="rId2"/>
+          <a:stretch>
+            <a:fillRect/>
+          </a:stretch>
+        </p:blipFill>
+        <p:spPr>
+          <a:xfrm>
+            <a:off x="1154954" y="1893194"/>
+            <a:ext cx="9515554" cy="4317441"/>
+          </a:xfrm>
+          <a:prstGeom prst="rect">
+            <a:avLst/>
+          </a:prstGeom>
+        </p:spPr>
+      </p:pic>
+    </p:spTree>
+    <p:extLst>
+      <p:ext uri="{BB962C8B-B14F-4D97-AF65-F5344CB8AC3E}">
+        <p14:creationId xmlns:p14="http://schemas.microsoft.com/office/powerpoint/2010/main" val="1199309489"/>
+      </p:ext>
+    </p:extLst>
+  </p:cSld>
+  <p:clrMapOvr>
+    <a:masterClrMapping/>
+  </p:clrMapOvr>
+</p:sld>
+</file>
+
+<file path=ppt/slides/slide26.xml><?xml version="1.0" encoding="utf-8"?>
+<p:sld xmlns:a="http://schemas.openxmlformats.org/drawingml/2006/main" xmlns:r="http://schemas.openxmlformats.org/officeDocument/2006/relationships" xmlns:p="http://schemas.openxmlformats.org/presentationml/2006/main">
+  <p:cSld>
+    <p:spTree>
+      <p:nvGrpSpPr>
+        <p:cNvPr id="1" name=""/>
+        <p:cNvGrpSpPr/>
+        <p:nvPr/>
+      </p:nvGrpSpPr>
+      <p:grpSpPr>
+        <a:xfrm>
+          <a:off x="0" y="0"/>
+          <a:ext cx="0" cy="0"/>
+          <a:chOff x="0" y="0"/>
+          <a:chExt cx="0" cy="0"/>
+        </a:xfrm>
+      </p:grpSpPr>
+      <p:sp>
+        <p:nvSpPr>
+          <p:cNvPr id="2" name="Título 1"/>
+          <p:cNvSpPr>
+            <a:spLocks noGrp="1"/>
+          </p:cNvSpPr>
+          <p:nvPr>
+            <p:ph type="title"/>
+          </p:nvPr>
+        </p:nvSpPr>
+        <p:spPr/>
+        <p:txBody>
+          <a:bodyPr/>
+          <a:lstStyle/>
+          <a:p>
+            <a:r>
+              <a:rPr lang="es-PE" dirty="0" smtClean="0">
+                <a:solidFill>
+                  <a:schemeClr val="bg1"/>
+                </a:solidFill>
+              </a:rPr>
+              <a:t>Cloud </a:t>
+            </a:r>
+            <a:r>
+              <a:rPr lang="es-PE" dirty="0" err="1" smtClean="0">
+                <a:solidFill>
+                  <a:schemeClr val="bg1"/>
+                </a:solidFill>
+              </a:rPr>
+              <a:t>Service</a:t>
+            </a:r>
+            <a:endParaRPr lang="es-PE" dirty="0">
+              <a:solidFill>
+                <a:schemeClr val="bg1"/>
+              </a:solidFill>
+            </a:endParaRPr>
+          </a:p>
+        </p:txBody>
+      </p:sp>
+      <p:sp>
+        <p:nvSpPr>
+          <p:cNvPr id="3" name="Marcador de contenido 2"/>
+          <p:cNvSpPr>
+            <a:spLocks noGrp="1"/>
+          </p:cNvSpPr>
+          <p:nvPr>
+            <p:ph idx="1"/>
+          </p:nvPr>
+        </p:nvSpPr>
+        <p:spPr/>
+        <p:txBody>
+          <a:bodyPr/>
+          <a:lstStyle/>
+          <a:p>
+            <a:endParaRPr lang="es-PE" dirty="0"/>
+          </a:p>
+        </p:txBody>
+      </p:sp>
+      <p:pic>
+        <p:nvPicPr>
+          <p:cNvPr id="6" name="Imagen 5"/>
+          <p:cNvPicPr>
+            <a:picLocks noChangeAspect="1"/>
+          </p:cNvPicPr>
+          <p:nvPr/>
+        </p:nvPicPr>
+        <p:blipFill>
+          <a:blip r:embed="rId2"/>
+          <a:stretch>
+            <a:fillRect/>
+          </a:stretch>
+        </p:blipFill>
+        <p:spPr>
+          <a:xfrm>
+            <a:off x="2294251" y="1747400"/>
+            <a:ext cx="6939902" cy="4272400"/>
+          </a:xfrm>
+          <a:prstGeom prst="rect">
+            <a:avLst/>
+          </a:prstGeom>
+        </p:spPr>
+      </p:pic>
+    </p:spTree>
+    <p:extLst>
+      <p:ext uri="{BB962C8B-B14F-4D97-AF65-F5344CB8AC3E}">
+        <p14:creationId xmlns:p14="http://schemas.microsoft.com/office/powerpoint/2010/main" val="1393598139"/>
       </p:ext>
     </p:extLst>
   </p:cSld>
@@ -13952,7 +16002,7 @@
           <a:lstStyle/>
           <a:p>
             <a:r>
-              <a:rPr lang="en-US" dirty="0">
+              <a:rPr lang="en-US" dirty="0" smtClean="0">
                 <a:solidFill>
                   <a:schemeClr val="bg1"/>
                 </a:solidFill>
@@ -14014,16 +16064,32 @@
           <a:p>
             <a:r>
               <a:rPr lang="es-PE" dirty="0"/>
-              <a:t>Buscamos que a través de nuestra plataforma nuestros clientes puedan dar uso de nuestros servicios en el sector médico</a:t>
-            </a:r>
-          </a:p>
-          <a:p>
-            <a:endParaRPr lang="es-PE" dirty="0"/>
-          </a:p>
-          <a:p>
+              <a:t>Buscamos que a través de nuestra plataforma nuestros clientes puedan dar uso de nuestros </a:t>
+            </a:r>
+            <a:r>
+              <a:rPr lang="es-PE" dirty="0" smtClean="0"/>
+              <a:t>servicios en </a:t>
+            </a:r>
             <a:r>
               <a:rPr lang="es-PE" dirty="0"/>
-              <a:t>Una de las prioridades a cumplir será la optimización y agilización de procesos tanto en la parte de mantenimiento como en la documentación esta con el fin de reducir perdidas de dinero.</a:t>
+              <a:t>el sector </a:t>
+            </a:r>
+            <a:r>
+              <a:rPr lang="es-PE" dirty="0" smtClean="0"/>
+              <a:t>médico</a:t>
+            </a:r>
+          </a:p>
+          <a:p>
+            <a:endParaRPr lang="es-PE" dirty="0" smtClean="0"/>
+          </a:p>
+          <a:p>
+            <a:r>
+              <a:rPr lang="es-PE" dirty="0" smtClean="0"/>
+              <a:t>Una </a:t>
+            </a:r>
+            <a:r>
+              <a:rPr lang="es-PE" dirty="0"/>
+              <a:t>de las prioridades a cumplir será la optimización y agilización de procesos tanto en la parte de mantenimiento como en la documentación esta con el fin de reducir perdidas de dinero.</a:t>
             </a:r>
           </a:p>
           <a:p>
@@ -14077,12 +16143,12 @@
           <a:lstStyle/>
           <a:p>
             <a:r>
-              <a:rPr lang="en-US" dirty="0">
+              <a:rPr lang="en-US" dirty="0" smtClean="0">
                 <a:solidFill>
                   <a:schemeClr val="bg1"/>
                 </a:solidFill>
               </a:rPr>
-              <a:t>Desarrollo del Proyecto</a:t>
+              <a:t>Control de version: Git</a:t>
             </a:r>
             <a:endParaRPr lang="es-PE" dirty="0">
               <a:solidFill>
@@ -14092,34 +16158,34 @@
           </a:p>
         </p:txBody>
       </p:sp>
-      <p:sp>
-        <p:nvSpPr>
-          <p:cNvPr id="3" name="Marcador de contenido 2"/>
-          <p:cNvSpPr>
-            <a:spLocks noGrp="1"/>
-          </p:cNvSpPr>
-          <p:nvPr>
-            <p:ph idx="1"/>
-          </p:nvPr>
-        </p:nvSpPr>
+      <p:pic>
+        <p:nvPicPr>
+          <p:cNvPr id="4" name="Imagen 3"/>
+          <p:cNvPicPr>
+            <a:picLocks noChangeAspect="1"/>
+          </p:cNvPicPr>
+          <p:nvPr/>
+        </p:nvPicPr>
+        <p:blipFill>
+          <a:blip r:embed="rId2"/>
+          <a:stretch>
+            <a:fillRect/>
+          </a:stretch>
+        </p:blipFill>
         <p:spPr>
           <a:xfrm>
-            <a:off x="1154954" y="2617568"/>
-            <a:ext cx="8825659" cy="3416300"/>
+            <a:off x="1827797" y="2445573"/>
+            <a:ext cx="7797466" cy="4201623"/>
           </a:xfrm>
+          <a:prstGeom prst="rect">
+            <a:avLst/>
+          </a:prstGeom>
         </p:spPr>
-        <p:txBody>
-          <a:bodyPr/>
-          <a:lstStyle/>
-          <a:p>
-            <a:endParaRPr lang="es-PE" dirty="0"/>
-          </a:p>
-        </p:txBody>
-      </p:sp>
+      </p:pic>
     </p:spTree>
     <p:extLst>
       <p:ext uri="{BB962C8B-B14F-4D97-AF65-F5344CB8AC3E}">
-        <p14:creationId xmlns:p14="http://schemas.microsoft.com/office/powerpoint/2010/main" val="1738354455"/>
+        <p14:creationId xmlns:p14="http://schemas.microsoft.com/office/powerpoint/2010/main" val="4059064419"/>
       </p:ext>
     </p:extLst>
   </p:cSld>
@@ -14162,12 +16228,20 @@
           <a:lstStyle/>
           <a:p>
             <a:r>
-              <a:rPr lang="en-US" dirty="0">
+              <a:rPr lang="es-PE" dirty="0">
                 <a:solidFill>
                   <a:schemeClr val="bg1"/>
                 </a:solidFill>
               </a:rPr>
-              <a:t>Control de version: Git</a:t>
+              <a:t>Desarrollo colaboratorio: </a:t>
+            </a:r>
+            <a:r>
+              <a:rPr lang="es-PE" dirty="0" smtClean="0">
+                <a:solidFill>
+                  <a:schemeClr val="bg1"/>
+                </a:solidFill>
+              </a:rPr>
+              <a:t>GitHub</a:t>
             </a:r>
             <a:endParaRPr lang="es-PE" dirty="0">
               <a:solidFill>
@@ -14180,31 +16254,40 @@
       <p:pic>
         <p:nvPicPr>
           <p:cNvPr id="4" name="Imagen 3"/>
-          <p:cNvPicPr>
-            <a:picLocks noChangeAspect="1"/>
-          </p:cNvPicPr>
+          <p:cNvPicPr/>
           <p:nvPr/>
         </p:nvPicPr>
         <p:blipFill>
-          <a:blip r:embed="rId2"/>
+          <a:blip r:embed="rId2">
+            <a:extLst>
+              <a:ext uri="{28A0092B-C50C-407E-A947-70E740481C1C}">
+                <a14:useLocalDpi xmlns:a14="http://schemas.microsoft.com/office/drawing/2010/main" val="0"/>
+              </a:ext>
+            </a:extLst>
+          </a:blip>
+          <a:srcRect/>
           <a:stretch>
             <a:fillRect/>
           </a:stretch>
         </p:blipFill>
-        <p:spPr>
+        <p:spPr bwMode="auto">
           <a:xfrm>
-            <a:off x="1827797" y="2445573"/>
-            <a:ext cx="7797466" cy="4201623"/>
+            <a:off x="2435823" y="1956944"/>
+            <a:ext cx="6759691" cy="4418097"/>
           </a:xfrm>
           <a:prstGeom prst="rect">
             <a:avLst/>
           </a:prstGeom>
+          <a:noFill/>
+          <a:ln>
+            <a:noFill/>
+          </a:ln>
         </p:spPr>
       </p:pic>
     </p:spTree>
     <p:extLst>
       <p:ext uri="{BB962C8B-B14F-4D97-AF65-F5344CB8AC3E}">
-        <p14:creationId xmlns:p14="http://schemas.microsoft.com/office/powerpoint/2010/main" val="4059064419"/>
+        <p14:creationId xmlns:p14="http://schemas.microsoft.com/office/powerpoint/2010/main" val="700579324"/>
       </p:ext>
     </p:extLst>
   </p:cSld>
@@ -14252,8 +16335,21 @@
                   <a:schemeClr val="bg1"/>
                 </a:solidFill>
               </a:rPr>
-              <a:t>Desarrollo colaboratorio: GitHub</a:t>
-            </a:r>
+              <a:t>Equipo: Roles de marco de trabajo </a:t>
+            </a:r>
+            <a:r>
+              <a:rPr lang="es-PE" dirty="0" smtClean="0">
+                <a:solidFill>
+                  <a:schemeClr val="bg1"/>
+                </a:solidFill>
+              </a:rPr>
+              <a:t>ágil</a:t>
+            </a:r>
+            <a:endParaRPr lang="es-PE" dirty="0">
+              <a:solidFill>
+                <a:schemeClr val="bg1"/>
+              </a:solidFill>
+            </a:endParaRPr>
           </a:p>
         </p:txBody>
       </p:sp>
@@ -14272,6 +16368,54 @@
           <a:bodyPr/>
           <a:lstStyle/>
           <a:p>
+            <a:r>
+              <a:rPr lang="es-ES" dirty="0" smtClean="0"/>
+              <a:t>SCRUM Master: Gonzalo Escudero Perla</a:t>
+            </a:r>
+          </a:p>
+          <a:p>
+            <a:r>
+              <a:rPr lang="es-ES" dirty="0" smtClean="0"/>
+              <a:t>Lead </a:t>
+            </a:r>
+            <a:r>
+              <a:rPr lang="es-ES" dirty="0" err="1" smtClean="0"/>
+              <a:t>Developer</a:t>
+            </a:r>
+            <a:r>
+              <a:rPr lang="es-ES" dirty="0" smtClean="0"/>
+              <a:t>: Ernesto Sanchez Matos</a:t>
+            </a:r>
+          </a:p>
+          <a:p>
+            <a:r>
+              <a:rPr lang="es-ES" dirty="0" err="1" smtClean="0"/>
+              <a:t>Product</a:t>
+            </a:r>
+            <a:r>
+              <a:rPr lang="es-ES" dirty="0" smtClean="0"/>
+              <a:t> </a:t>
+            </a:r>
+            <a:r>
+              <a:rPr lang="es-ES" dirty="0" err="1" smtClean="0"/>
+              <a:t>Owner</a:t>
+            </a:r>
+            <a:r>
+              <a:rPr lang="es-ES" dirty="0" smtClean="0"/>
+              <a:t>: Jonathan Beltran Gago</a:t>
+            </a:r>
+          </a:p>
+          <a:p>
+            <a:r>
+              <a:rPr lang="es-ES" dirty="0" smtClean="0"/>
+              <a:t>Desarrollador: Diego Obregon Ramos</a:t>
+            </a:r>
+          </a:p>
+          <a:p>
+            <a:r>
+              <a:rPr lang="es-ES" dirty="0" smtClean="0"/>
+              <a:t>Desarrollador: Imanol Valdivia Teran</a:t>
+            </a:r>
             <a:endParaRPr lang="es-PE" dirty="0"/>
           </a:p>
         </p:txBody>
@@ -14279,7 +16423,7 @@
     </p:spTree>
     <p:extLst>
       <p:ext uri="{BB962C8B-B14F-4D97-AF65-F5344CB8AC3E}">
-        <p14:creationId xmlns:p14="http://schemas.microsoft.com/office/powerpoint/2010/main" val="700579324"/>
+        <p14:creationId xmlns:p14="http://schemas.microsoft.com/office/powerpoint/2010/main" val="1777958734"/>
       </p:ext>
     </p:extLst>
   </p:cSld>
@@ -14327,113 +16471,18 @@
                   <a:schemeClr val="bg1"/>
                 </a:solidFill>
               </a:rPr>
-              <a:t>Equipo: Roles de marco de trabajo ágil</a:t>
-            </a:r>
-          </a:p>
-        </p:txBody>
-      </p:sp>
-      <p:sp>
-        <p:nvSpPr>
-          <p:cNvPr id="3" name="Marcador de contenido 2"/>
-          <p:cNvSpPr>
-            <a:spLocks noGrp="1"/>
-          </p:cNvSpPr>
-          <p:nvPr>
-            <p:ph idx="1"/>
-          </p:nvPr>
-        </p:nvSpPr>
-        <p:spPr/>
-        <p:txBody>
-          <a:bodyPr/>
-          <a:lstStyle/>
-          <a:p>
-            <a:r>
-              <a:rPr lang="es-ES" dirty="0"/>
-              <a:t>SCRUM Master: Gonzalo Escudero Perla</a:t>
-            </a:r>
-          </a:p>
-          <a:p>
-            <a:r>
-              <a:rPr lang="es-ES" dirty="0"/>
-              <a:t>Team Leader: Ernesto Sanchez Matos</a:t>
-            </a:r>
-          </a:p>
-          <a:p>
-            <a:r>
-              <a:rPr lang="es-ES" dirty="0"/>
-              <a:t>Jonathan Beltran Gago</a:t>
-            </a:r>
-          </a:p>
-          <a:p>
-            <a:r>
-              <a:rPr lang="es-ES" dirty="0"/>
-              <a:t>Desarrollador: Diego Obregon Ramos</a:t>
-            </a:r>
-          </a:p>
-          <a:p>
-            <a:r>
-              <a:rPr lang="es-ES" dirty="0"/>
-              <a:t>Desarrollador: Imanol Valdivia Teran</a:t>
-            </a:r>
-            <a:endParaRPr lang="es-PE" dirty="0"/>
-          </a:p>
-        </p:txBody>
-      </p:sp>
-    </p:spTree>
-    <p:extLst>
-      <p:ext uri="{BB962C8B-B14F-4D97-AF65-F5344CB8AC3E}">
-        <p14:creationId xmlns:p14="http://schemas.microsoft.com/office/powerpoint/2010/main" val="1777958734"/>
-      </p:ext>
-    </p:extLst>
-  </p:cSld>
-  <p:clrMapOvr>
-    <a:masterClrMapping/>
-  </p:clrMapOvr>
-</p:sld>
-</file>
-
-<file path=ppt/slides/slide8.xml><?xml version="1.0" encoding="utf-8"?>
-<p:sld xmlns:a="http://schemas.openxmlformats.org/drawingml/2006/main" xmlns:r="http://schemas.openxmlformats.org/officeDocument/2006/relationships" xmlns:p="http://schemas.openxmlformats.org/presentationml/2006/main">
-  <p:cSld>
-    <p:spTree>
-      <p:nvGrpSpPr>
-        <p:cNvPr id="1" name=""/>
-        <p:cNvGrpSpPr/>
-        <p:nvPr/>
-      </p:nvGrpSpPr>
-      <p:grpSpPr>
-        <a:xfrm>
-          <a:off x="0" y="0"/>
-          <a:ext cx="0" cy="0"/>
-          <a:chOff x="0" y="0"/>
-          <a:chExt cx="0" cy="0"/>
-        </a:xfrm>
-      </p:grpSpPr>
-      <p:sp>
-        <p:nvSpPr>
-          <p:cNvPr id="2" name="Título 1"/>
-          <p:cNvSpPr>
-            <a:spLocks noGrp="1"/>
-          </p:cNvSpPr>
-          <p:nvPr>
-            <p:ph type="title"/>
-          </p:nvPr>
-        </p:nvSpPr>
-        <p:spPr/>
-        <p:txBody>
-          <a:bodyPr/>
-          <a:lstStyle/>
-          <a:p>
-            <a:r>
-              <a:rPr lang="es-PE" dirty="0">
+              <a:t>Lenguaje de Programación: </a:t>
+            </a:r>
+            <a:r>
+              <a:rPr lang="es-PE" dirty="0" smtClean="0">
                 <a:solidFill>
                   <a:schemeClr val="bg1"/>
                 </a:solidFill>
               </a:rPr>
-              <a:t>Lenguaje de Programación: Java y </a:t>
-            </a:r>
-            <a:r>
-              <a:rPr lang="es-PE" dirty="0" err="1">
+              <a:t>Java y </a:t>
+            </a:r>
+            <a:r>
+              <a:rPr lang="es-PE" dirty="0" err="1" smtClean="0">
                 <a:solidFill>
                   <a:schemeClr val="bg1"/>
                 </a:solidFill>
@@ -14521,7 +16570,7 @@
 </p:sld>
 </file>
 
-<file path=ppt/slides/slide9.xml><?xml version="1.0" encoding="utf-8"?>
+<file path=ppt/slides/slide8.xml><?xml version="1.0" encoding="utf-8"?>
 <p:sld xmlns:a="http://schemas.openxmlformats.org/drawingml/2006/main" xmlns:r="http://schemas.openxmlformats.org/officeDocument/2006/relationships" xmlns:p="http://schemas.openxmlformats.org/presentationml/2006/main">
   <p:cSld>
     <p:spTree>
@@ -14559,7 +16608,15 @@
                   <a:schemeClr val="bg1"/>
                 </a:solidFill>
               </a:rPr>
-              <a:t>Tecnologías: Spring Maven Project</a:t>
+              <a:t>Tecnologías: Spring </a:t>
+            </a:r>
+            <a:r>
+              <a:rPr lang="en-US" dirty="0" smtClean="0">
+                <a:solidFill>
+                  <a:schemeClr val="bg1"/>
+                </a:solidFill>
+              </a:rPr>
+              <a:t>Maven Project</a:t>
             </a:r>
             <a:endParaRPr lang="es-PE" dirty="0">
               <a:solidFill>
@@ -14603,6 +16660,90 @@
     <p:extLst>
       <p:ext uri="{BB962C8B-B14F-4D97-AF65-F5344CB8AC3E}">
         <p14:creationId xmlns:p14="http://schemas.microsoft.com/office/powerpoint/2010/main" val="1580755354"/>
+      </p:ext>
+    </p:extLst>
+  </p:cSld>
+  <p:clrMapOvr>
+    <a:masterClrMapping/>
+  </p:clrMapOvr>
+</p:sld>
+</file>
+
+<file path=ppt/slides/slide9.xml><?xml version="1.0" encoding="utf-8"?>
+<p:sld xmlns:a="http://schemas.openxmlformats.org/drawingml/2006/main" xmlns:r="http://schemas.openxmlformats.org/officeDocument/2006/relationships" xmlns:p="http://schemas.openxmlformats.org/presentationml/2006/main">
+  <p:cSld>
+    <p:spTree>
+      <p:nvGrpSpPr>
+        <p:cNvPr id="1" name=""/>
+        <p:cNvGrpSpPr/>
+        <p:nvPr/>
+      </p:nvGrpSpPr>
+      <p:grpSpPr>
+        <a:xfrm>
+          <a:off x="0" y="0"/>
+          <a:ext cx="0" cy="0"/>
+          <a:chOff x="0" y="0"/>
+          <a:chExt cx="0" cy="0"/>
+        </a:xfrm>
+      </p:grpSpPr>
+      <p:sp>
+        <p:nvSpPr>
+          <p:cNvPr id="2" name="Título 1"/>
+          <p:cNvSpPr>
+            <a:spLocks noGrp="1"/>
+          </p:cNvSpPr>
+          <p:nvPr>
+            <p:ph type="title"/>
+          </p:nvPr>
+        </p:nvSpPr>
+        <p:spPr/>
+        <p:txBody>
+          <a:bodyPr/>
+          <a:lstStyle/>
+          <a:p>
+            <a:r>
+              <a:rPr lang="es-PE" dirty="0">
+                <a:solidFill>
+                  <a:schemeClr val="bg1"/>
+                </a:solidFill>
+              </a:rPr>
+              <a:t>Product Backlog</a:t>
+            </a:r>
+          </a:p>
+        </p:txBody>
+      </p:sp>
+      <p:pic>
+        <p:nvPicPr>
+          <p:cNvPr id="4" name="Picture 44"/>
+          <p:cNvPicPr/>
+          <p:nvPr/>
+        </p:nvPicPr>
+        <p:blipFill>
+          <a:blip r:embed="rId2">
+            <a:extLst>
+              <a:ext uri="{28A0092B-C50C-407E-A947-70E740481C1C}">
+                <a14:useLocalDpi xmlns:a14="http://schemas.microsoft.com/office/drawing/2010/main" val="0"/>
+              </a:ext>
+            </a:extLst>
+          </a:blip>
+          <a:stretch>
+            <a:fillRect/>
+          </a:stretch>
+        </p:blipFill>
+        <p:spPr>
+          <a:xfrm>
+            <a:off x="1659620" y="2146300"/>
+            <a:ext cx="8462280" cy="4622800"/>
+          </a:xfrm>
+          <a:prstGeom prst="rect">
+            <a:avLst/>
+          </a:prstGeom>
+        </p:spPr>
+      </p:pic>
+    </p:spTree>
+    <p:extLst>
+      <p:ext uri="{BB962C8B-B14F-4D97-AF65-F5344CB8AC3E}">
+        <p14:creationId xmlns:p14="http://schemas.microsoft.com/office/powerpoint/2010/main" val="1412751139"/>
       </p:ext>
     </p:extLst>
   </p:cSld>
